--- a/week_7/slides.pptx
+++ b/week_7/slides.pptx
@@ -5,13 +5,14 @@
     <p:sldMasterId id="2147483648" r:id="rId1"/>
   </p:sldMasterIdLst>
   <p:notesMasterIdLst>
-    <p:notesMasterId r:id="rId6"/>
+    <p:notesMasterId r:id="rId7"/>
   </p:notesMasterIdLst>
   <p:sldIdLst>
     <p:sldId id="256" r:id="rId2"/>
     <p:sldId id="258" r:id="rId3"/>
     <p:sldId id="257" r:id="rId4"/>
     <p:sldId id="259" r:id="rId5"/>
+    <p:sldId id="260" r:id="rId6"/>
   </p:sldIdLst>
   <p:sldSz cx="12192000" cy="6858000"/>
   <p:notesSz cx="6858000" cy="9144000"/>
@@ -110,6 +111,11 @@
       </a:defRPr>
     </a:lvl9pPr>
   </p:defaultTextStyle>
+  <p:extLst>
+    <p:ext uri="{EFAFB233-063F-42B5-8137-9DF3F51BA10A}">
+      <p15:sldGuideLst xmlns:p15="http://schemas.microsoft.com/office/powerpoint/2012/main"/>
+    </p:ext>
+  </p:extLst>
 </p:presentation>
 </file>
 
@@ -195,7 +201,7 @@
           <a:p>
             <a:fld id="{CACBCD37-602D-644A-98BC-97C116B1362F}" type="datetimeFigureOut">
               <a:rPr lang="en-US" smtClean="0"/>
-              <a:t>2/21/19</a:t>
+              <a:t>2/23/20</a:t>
             </a:fld>
             <a:endParaRPr lang="en-US"/>
           </a:p>
@@ -594,7 +600,7 @@
           <a:p>
             <a:fld id="{FA0DA247-E292-D248-996D-2EBEBAAF933E}" type="datetimeFigureOut">
               <a:rPr lang="en-US" smtClean="0"/>
-              <a:t>2/19/19</a:t>
+              <a:t>2/23/20</a:t>
             </a:fld>
             <a:endParaRPr lang="en-US"/>
           </a:p>
@@ -764,7 +770,7 @@
           <a:p>
             <a:fld id="{FA0DA247-E292-D248-996D-2EBEBAAF933E}" type="datetimeFigureOut">
               <a:rPr lang="en-US" smtClean="0"/>
-              <a:t>2/19/19</a:t>
+              <a:t>2/23/20</a:t>
             </a:fld>
             <a:endParaRPr lang="en-US"/>
           </a:p>
@@ -944,7 +950,7 @@
           <a:p>
             <a:fld id="{FA0DA247-E292-D248-996D-2EBEBAAF933E}" type="datetimeFigureOut">
               <a:rPr lang="en-US" smtClean="0"/>
-              <a:t>2/19/19</a:t>
+              <a:t>2/23/20</a:t>
             </a:fld>
             <a:endParaRPr lang="en-US"/>
           </a:p>
@@ -1114,7 +1120,7 @@
           <a:p>
             <a:fld id="{FA0DA247-E292-D248-996D-2EBEBAAF933E}" type="datetimeFigureOut">
               <a:rPr lang="en-US" smtClean="0"/>
-              <a:t>2/19/19</a:t>
+              <a:t>2/23/20</a:t>
             </a:fld>
             <a:endParaRPr lang="en-US"/>
           </a:p>
@@ -1360,7 +1366,7 @@
           <a:p>
             <a:fld id="{FA0DA247-E292-D248-996D-2EBEBAAF933E}" type="datetimeFigureOut">
               <a:rPr lang="en-US" smtClean="0"/>
-              <a:t>2/19/19</a:t>
+              <a:t>2/23/20</a:t>
             </a:fld>
             <a:endParaRPr lang="en-US"/>
           </a:p>
@@ -1592,7 +1598,7 @@
           <a:p>
             <a:fld id="{FA0DA247-E292-D248-996D-2EBEBAAF933E}" type="datetimeFigureOut">
               <a:rPr lang="en-US" smtClean="0"/>
-              <a:t>2/19/19</a:t>
+              <a:t>2/23/20</a:t>
             </a:fld>
             <a:endParaRPr lang="en-US"/>
           </a:p>
@@ -1959,7 +1965,7 @@
           <a:p>
             <a:fld id="{FA0DA247-E292-D248-996D-2EBEBAAF933E}" type="datetimeFigureOut">
               <a:rPr lang="en-US" smtClean="0"/>
-              <a:t>2/19/19</a:t>
+              <a:t>2/23/20</a:t>
             </a:fld>
             <a:endParaRPr lang="en-US"/>
           </a:p>
@@ -2077,7 +2083,7 @@
           <a:p>
             <a:fld id="{FA0DA247-E292-D248-996D-2EBEBAAF933E}" type="datetimeFigureOut">
               <a:rPr lang="en-US" smtClean="0"/>
-              <a:t>2/19/19</a:t>
+              <a:t>2/23/20</a:t>
             </a:fld>
             <a:endParaRPr lang="en-US"/>
           </a:p>
@@ -2172,7 +2178,7 @@
           <a:p>
             <a:fld id="{FA0DA247-E292-D248-996D-2EBEBAAF933E}" type="datetimeFigureOut">
               <a:rPr lang="en-US" smtClean="0"/>
-              <a:t>2/19/19</a:t>
+              <a:t>2/23/20</a:t>
             </a:fld>
             <a:endParaRPr lang="en-US"/>
           </a:p>
@@ -2449,7 +2455,7 @@
           <a:p>
             <a:fld id="{FA0DA247-E292-D248-996D-2EBEBAAF933E}" type="datetimeFigureOut">
               <a:rPr lang="en-US" smtClean="0"/>
-              <a:t>2/19/19</a:t>
+              <a:t>2/23/20</a:t>
             </a:fld>
             <a:endParaRPr lang="en-US"/>
           </a:p>
@@ -2702,7 +2708,7 @@
           <a:p>
             <a:fld id="{FA0DA247-E292-D248-996D-2EBEBAAF933E}" type="datetimeFigureOut">
               <a:rPr lang="en-US" smtClean="0"/>
-              <a:t>2/19/19</a:t>
+              <a:t>2/23/20</a:t>
             </a:fld>
             <a:endParaRPr lang="en-US"/>
           </a:p>
@@ -2915,7 +2921,7 @@
           <a:p>
             <a:fld id="{FA0DA247-E292-D248-996D-2EBEBAAF933E}" type="datetimeFigureOut">
               <a:rPr lang="en-US" smtClean="0"/>
-              <a:t>2/19/19</a:t>
+              <a:t>2/23/20</a:t>
             </a:fld>
             <a:endParaRPr lang="en-US"/>
           </a:p>
@@ -6314,6 +6320,2925 @@
     <p:extLst>
       <p:ext uri="{BB962C8B-B14F-4D97-AF65-F5344CB8AC3E}">
         <p14:creationId xmlns:p14="http://schemas.microsoft.com/office/powerpoint/2010/main" val="1869302849"/>
+      </p:ext>
+    </p:extLst>
+  </p:cSld>
+  <p:clrMapOvr>
+    <a:masterClrMapping/>
+  </p:clrMapOvr>
+</p:sld>
+</file>
+
+<file path=ppt/slides/slide5.xml><?xml version="1.0" encoding="utf-8"?>
+<p:sld xmlns:a="http://schemas.openxmlformats.org/drawingml/2006/main" xmlns:r="http://schemas.openxmlformats.org/officeDocument/2006/relationships" xmlns:p="http://schemas.openxmlformats.org/presentationml/2006/main">
+  <p:cSld>
+    <p:spTree>
+      <p:nvGrpSpPr>
+        <p:cNvPr id="1" name=""/>
+        <p:cNvGrpSpPr/>
+        <p:nvPr/>
+      </p:nvGrpSpPr>
+      <p:grpSpPr>
+        <a:xfrm>
+          <a:off x="0" y="0"/>
+          <a:ext cx="0" cy="0"/>
+          <a:chOff x="0" y="0"/>
+          <a:chExt cx="0" cy="0"/>
+        </a:xfrm>
+      </p:grpSpPr>
+      <p:sp>
+        <p:nvSpPr>
+          <p:cNvPr id="4" name="Rectangle 3"/>
+          <p:cNvSpPr/>
+          <p:nvPr/>
+        </p:nvSpPr>
+        <p:spPr>
+          <a:xfrm>
+            <a:off x="436498" y="4795277"/>
+            <a:ext cx="1645920" cy="731520"/>
+          </a:xfrm>
+          <a:prstGeom prst="rect">
+            <a:avLst/>
+          </a:prstGeom>
+          <a:ln w="19050"/>
+        </p:spPr>
+        <p:style>
+          <a:lnRef idx="2">
+            <a:schemeClr val="dk1"/>
+          </a:lnRef>
+          <a:fillRef idx="1">
+            <a:schemeClr val="lt1"/>
+          </a:fillRef>
+          <a:effectRef idx="0">
+            <a:schemeClr val="dk1"/>
+          </a:effectRef>
+          <a:fontRef idx="minor">
+            <a:schemeClr val="dk1"/>
+          </a:fontRef>
+        </p:style>
+        <p:txBody>
+          <a:bodyPr rtlCol="0" anchor="ctr"/>
+          <a:lstStyle/>
+          <a:p>
+            <a:pPr algn="ctr"/>
+            <a:r>
+              <a:rPr lang="en-US" dirty="0" smtClean="0"/>
+              <a:t>Manager</a:t>
+            </a:r>
+            <a:endParaRPr lang="en-US" dirty="0"/>
+          </a:p>
+        </p:txBody>
+      </p:sp>
+      <p:sp>
+        <p:nvSpPr>
+          <p:cNvPr id="5" name="Rectangle 4"/>
+          <p:cNvSpPr/>
+          <p:nvPr/>
+        </p:nvSpPr>
+        <p:spPr>
+          <a:xfrm>
+            <a:off x="2960957" y="4801005"/>
+            <a:ext cx="1645920" cy="731520"/>
+          </a:xfrm>
+          <a:prstGeom prst="rect">
+            <a:avLst/>
+          </a:prstGeom>
+          <a:ln w="19050"/>
+        </p:spPr>
+        <p:style>
+          <a:lnRef idx="2">
+            <a:schemeClr val="dk1"/>
+          </a:lnRef>
+          <a:fillRef idx="1">
+            <a:schemeClr val="lt1"/>
+          </a:fillRef>
+          <a:effectRef idx="0">
+            <a:schemeClr val="dk1"/>
+          </a:effectRef>
+          <a:fontRef idx="minor">
+            <a:schemeClr val="dk1"/>
+          </a:fontRef>
+        </p:style>
+        <p:txBody>
+          <a:bodyPr rtlCol="0" anchor="ctr"/>
+          <a:lstStyle/>
+          <a:p>
+            <a:pPr algn="ctr"/>
+            <a:r>
+              <a:rPr lang="en-US" dirty="0" smtClean="0"/>
+              <a:t>Process</a:t>
+            </a:r>
+          </a:p>
+          <a:p>
+            <a:pPr algn="ctr"/>
+            <a:r>
+              <a:rPr lang="en-US" dirty="0" smtClean="0"/>
+              <a:t>(abstract)</a:t>
+            </a:r>
+            <a:endParaRPr lang="en-US" dirty="0"/>
+          </a:p>
+        </p:txBody>
+      </p:sp>
+      <p:sp>
+        <p:nvSpPr>
+          <p:cNvPr id="6" name="Rectangle 5"/>
+          <p:cNvSpPr/>
+          <p:nvPr/>
+        </p:nvSpPr>
+        <p:spPr>
+          <a:xfrm>
+            <a:off x="2960957" y="6031959"/>
+            <a:ext cx="1645920" cy="731520"/>
+          </a:xfrm>
+          <a:prstGeom prst="rect">
+            <a:avLst/>
+          </a:prstGeom>
+          <a:ln w="19050">
+            <a:solidFill>
+              <a:schemeClr val="tx1"/>
+            </a:solidFill>
+          </a:ln>
+        </p:spPr>
+        <p:style>
+          <a:lnRef idx="2">
+            <a:schemeClr val="dk1"/>
+          </a:lnRef>
+          <a:fillRef idx="1">
+            <a:schemeClr val="lt1"/>
+          </a:fillRef>
+          <a:effectRef idx="0">
+            <a:schemeClr val="dk1"/>
+          </a:effectRef>
+          <a:fontRef idx="minor">
+            <a:schemeClr val="dk1"/>
+          </a:fontRef>
+        </p:style>
+        <p:txBody>
+          <a:bodyPr rtlCol="0" anchor="ctr"/>
+          <a:lstStyle/>
+          <a:p>
+            <a:pPr algn="ctr"/>
+            <a:r>
+              <a:rPr lang="en-US" dirty="0" smtClean="0"/>
+              <a:t>Event</a:t>
+            </a:r>
+            <a:endParaRPr lang="en-US" dirty="0"/>
+          </a:p>
+        </p:txBody>
+      </p:sp>
+      <p:sp>
+        <p:nvSpPr>
+          <p:cNvPr id="7" name="Rectangle 6"/>
+          <p:cNvSpPr/>
+          <p:nvPr/>
+        </p:nvSpPr>
+        <p:spPr>
+          <a:xfrm>
+            <a:off x="436497" y="3645993"/>
+            <a:ext cx="1645920" cy="731520"/>
+          </a:xfrm>
+          <a:prstGeom prst="rect">
+            <a:avLst/>
+          </a:prstGeom>
+          <a:ln w="19050"/>
+        </p:spPr>
+        <p:style>
+          <a:lnRef idx="2">
+            <a:schemeClr val="dk1"/>
+          </a:lnRef>
+          <a:fillRef idx="1">
+            <a:schemeClr val="lt1"/>
+          </a:fillRef>
+          <a:effectRef idx="0">
+            <a:schemeClr val="dk1"/>
+          </a:effectRef>
+          <a:fontRef idx="minor">
+            <a:schemeClr val="dk1"/>
+          </a:fontRef>
+        </p:style>
+        <p:txBody>
+          <a:bodyPr rtlCol="0" anchor="ctr"/>
+          <a:lstStyle/>
+          <a:p>
+            <a:pPr algn="ctr"/>
+            <a:r>
+              <a:rPr lang="en-US" dirty="0" smtClean="0"/>
+              <a:t>Channel</a:t>
+            </a:r>
+            <a:endParaRPr lang="en-US" dirty="0"/>
+          </a:p>
+        </p:txBody>
+      </p:sp>
+      <p:sp>
+        <p:nvSpPr>
+          <p:cNvPr id="8" name="Rectangle 7"/>
+          <p:cNvSpPr/>
+          <p:nvPr/>
+        </p:nvSpPr>
+        <p:spPr>
+          <a:xfrm>
+            <a:off x="9980576" y="4818530"/>
+            <a:ext cx="1645920" cy="731520"/>
+          </a:xfrm>
+          <a:prstGeom prst="rect">
+            <a:avLst/>
+          </a:prstGeom>
+          <a:ln w="19050">
+            <a:solidFill>
+              <a:schemeClr val="tx1"/>
+            </a:solidFill>
+          </a:ln>
+        </p:spPr>
+        <p:style>
+          <a:lnRef idx="2">
+            <a:schemeClr val="dk1"/>
+          </a:lnRef>
+          <a:fillRef idx="1">
+            <a:schemeClr val="lt1"/>
+          </a:fillRef>
+          <a:effectRef idx="0">
+            <a:schemeClr val="dk1"/>
+          </a:effectRef>
+          <a:fontRef idx="minor">
+            <a:schemeClr val="dk1"/>
+          </a:fontRef>
+        </p:style>
+        <p:txBody>
+          <a:bodyPr rtlCol="0" anchor="ctr"/>
+          <a:lstStyle/>
+          <a:p>
+            <a:pPr algn="ctr"/>
+            <a:r>
+              <a:rPr lang="en-US" smtClean="0"/>
+              <a:t>State</a:t>
+            </a:r>
+            <a:endParaRPr lang="en-US" dirty="0"/>
+          </a:p>
+        </p:txBody>
+      </p:sp>
+      <p:sp>
+        <p:nvSpPr>
+          <p:cNvPr id="9" name="Rectangle 8"/>
+          <p:cNvSpPr/>
+          <p:nvPr/>
+        </p:nvSpPr>
+        <p:spPr>
+          <a:xfrm>
+            <a:off x="7920740" y="4834783"/>
+            <a:ext cx="1651000" cy="731520"/>
+          </a:xfrm>
+          <a:prstGeom prst="rect">
+            <a:avLst/>
+          </a:prstGeom>
+          <a:ln w="19050">
+            <a:solidFill>
+              <a:schemeClr val="tx1"/>
+            </a:solidFill>
+          </a:ln>
+        </p:spPr>
+        <p:style>
+          <a:lnRef idx="2">
+            <a:schemeClr val="dk1"/>
+          </a:lnRef>
+          <a:fillRef idx="1">
+            <a:schemeClr val="lt1"/>
+          </a:fillRef>
+          <a:effectRef idx="0">
+            <a:schemeClr val="dk1"/>
+          </a:effectRef>
+          <a:fontRef idx="minor">
+            <a:schemeClr val="dk1"/>
+          </a:fontRef>
+        </p:style>
+        <p:txBody>
+          <a:bodyPr rtlCol="0" anchor="ctr"/>
+          <a:lstStyle/>
+          <a:p>
+            <a:pPr algn="ctr"/>
+            <a:r>
+              <a:rPr lang="en-US" smtClean="0"/>
+              <a:t>Transition</a:t>
+            </a:r>
+            <a:endParaRPr lang="en-US" dirty="0"/>
+          </a:p>
+        </p:txBody>
+      </p:sp>
+      <p:sp>
+        <p:nvSpPr>
+          <p:cNvPr id="10" name="Rectangle 9"/>
+          <p:cNvSpPr/>
+          <p:nvPr/>
+        </p:nvSpPr>
+        <p:spPr>
+          <a:xfrm>
+            <a:off x="5513020" y="4835364"/>
+            <a:ext cx="1645920" cy="731520"/>
+          </a:xfrm>
+          <a:prstGeom prst="rect">
+            <a:avLst/>
+          </a:prstGeom>
+          <a:ln w="19050">
+            <a:solidFill>
+              <a:schemeClr val="tx1"/>
+            </a:solidFill>
+          </a:ln>
+        </p:spPr>
+        <p:style>
+          <a:lnRef idx="2">
+            <a:schemeClr val="dk1"/>
+          </a:lnRef>
+          <a:fillRef idx="1">
+            <a:schemeClr val="lt1"/>
+          </a:fillRef>
+          <a:effectRef idx="0">
+            <a:schemeClr val="dk1"/>
+          </a:effectRef>
+          <a:fontRef idx="minor">
+            <a:schemeClr val="dk1"/>
+          </a:fontRef>
+        </p:style>
+        <p:txBody>
+          <a:bodyPr rtlCol="0" anchor="ctr"/>
+          <a:lstStyle/>
+          <a:p>
+            <a:pPr algn="ctr"/>
+            <a:r>
+              <a:rPr lang="en-US" dirty="0" smtClean="0"/>
+              <a:t>Finite State</a:t>
+            </a:r>
+          </a:p>
+          <a:p>
+            <a:pPr algn="ctr"/>
+            <a:r>
+              <a:rPr lang="en-US" dirty="0" smtClean="0"/>
+              <a:t>Machine</a:t>
+            </a:r>
+            <a:endParaRPr lang="en-US" dirty="0"/>
+          </a:p>
+        </p:txBody>
+      </p:sp>
+      <p:cxnSp>
+        <p:nvCxnSpPr>
+          <p:cNvPr id="12" name="Elbow Connector 11"/>
+          <p:cNvCxnSpPr>
+            <a:stCxn id="4" idx="0"/>
+            <a:endCxn id="7" idx="2"/>
+          </p:cNvCxnSpPr>
+          <p:nvPr/>
+        </p:nvCxnSpPr>
+        <p:spPr>
+          <a:xfrm rot="16200000" flipV="1">
+            <a:off x="1050576" y="4586394"/>
+            <a:ext cx="417764" cy="1"/>
+          </a:xfrm>
+          <a:prstGeom prst="bentConnector3">
+            <a:avLst>
+              <a:gd name="adj1" fmla="val 50000"/>
+            </a:avLst>
+          </a:prstGeom>
+          <a:ln w="19050">
+            <a:solidFill>
+              <a:schemeClr val="tx1"/>
+            </a:solidFill>
+            <a:tailEnd type="triangle"/>
+          </a:ln>
+        </p:spPr>
+        <p:style>
+          <a:lnRef idx="1">
+            <a:schemeClr val="accent1"/>
+          </a:lnRef>
+          <a:fillRef idx="0">
+            <a:schemeClr val="accent1"/>
+          </a:fillRef>
+          <a:effectRef idx="0">
+            <a:schemeClr val="accent1"/>
+          </a:effectRef>
+          <a:fontRef idx="minor">
+            <a:schemeClr val="tx1"/>
+          </a:fontRef>
+        </p:style>
+      </p:cxnSp>
+      <p:cxnSp>
+        <p:nvCxnSpPr>
+          <p:cNvPr id="14" name="Elbow Connector 13"/>
+          <p:cNvCxnSpPr>
+            <a:stCxn id="4" idx="3"/>
+            <a:endCxn id="5" idx="1"/>
+          </p:cNvCxnSpPr>
+          <p:nvPr/>
+        </p:nvCxnSpPr>
+        <p:spPr>
+          <a:xfrm>
+            <a:off x="2082418" y="5161037"/>
+            <a:ext cx="878539" cy="0"/>
+          </a:xfrm>
+          <a:prstGeom prst="bentConnector3">
+            <a:avLst>
+              <a:gd name="adj1" fmla="val 50000"/>
+            </a:avLst>
+          </a:prstGeom>
+          <a:ln w="19050">
+            <a:solidFill>
+              <a:schemeClr val="tx1"/>
+            </a:solidFill>
+            <a:tailEnd type="triangle"/>
+          </a:ln>
+        </p:spPr>
+        <p:style>
+          <a:lnRef idx="1">
+            <a:schemeClr val="accent1"/>
+          </a:lnRef>
+          <a:fillRef idx="0">
+            <a:schemeClr val="accent1"/>
+          </a:fillRef>
+          <a:effectRef idx="0">
+            <a:schemeClr val="accent1"/>
+          </a:effectRef>
+          <a:fontRef idx="minor">
+            <a:schemeClr val="tx1"/>
+          </a:fontRef>
+        </p:style>
+      </p:cxnSp>
+      <p:cxnSp>
+        <p:nvCxnSpPr>
+          <p:cNvPr id="17" name="Elbow Connector 16"/>
+          <p:cNvCxnSpPr>
+            <a:stCxn id="4" idx="2"/>
+            <a:endCxn id="6" idx="1"/>
+          </p:cNvCxnSpPr>
+          <p:nvPr/>
+        </p:nvCxnSpPr>
+        <p:spPr>
+          <a:xfrm rot="16200000" flipH="1">
+            <a:off x="1674746" y="5111508"/>
+            <a:ext cx="870922" cy="1701499"/>
+          </a:xfrm>
+          <a:prstGeom prst="bentConnector2">
+            <a:avLst/>
+          </a:prstGeom>
+          <a:ln w="19050">
+            <a:solidFill>
+              <a:schemeClr val="tx1"/>
+            </a:solidFill>
+            <a:tailEnd type="triangle"/>
+          </a:ln>
+        </p:spPr>
+        <p:style>
+          <a:lnRef idx="1">
+            <a:schemeClr val="accent1"/>
+          </a:lnRef>
+          <a:fillRef idx="0">
+            <a:schemeClr val="accent1"/>
+          </a:fillRef>
+          <a:effectRef idx="0">
+            <a:schemeClr val="accent1"/>
+          </a:effectRef>
+          <a:fontRef idx="minor">
+            <a:schemeClr val="tx1"/>
+          </a:fontRef>
+        </p:style>
+      </p:cxnSp>
+      <p:cxnSp>
+        <p:nvCxnSpPr>
+          <p:cNvPr id="39" name="Elbow Connector 38"/>
+          <p:cNvCxnSpPr>
+            <a:stCxn id="5" idx="2"/>
+            <a:endCxn id="6" idx="0"/>
+          </p:cNvCxnSpPr>
+          <p:nvPr/>
+        </p:nvCxnSpPr>
+        <p:spPr>
+          <a:xfrm rot="5400000">
+            <a:off x="3540550" y="5788592"/>
+            <a:ext cx="499434" cy="0"/>
+          </a:xfrm>
+          <a:prstGeom prst="bentConnector3">
+            <a:avLst>
+              <a:gd name="adj1" fmla="val 50000"/>
+            </a:avLst>
+          </a:prstGeom>
+          <a:ln w="19050">
+            <a:solidFill>
+              <a:schemeClr val="tx1"/>
+            </a:solidFill>
+            <a:tailEnd type="triangle"/>
+          </a:ln>
+        </p:spPr>
+        <p:style>
+          <a:lnRef idx="1">
+            <a:schemeClr val="accent1"/>
+          </a:lnRef>
+          <a:fillRef idx="0">
+            <a:schemeClr val="accent1"/>
+          </a:fillRef>
+          <a:effectRef idx="0">
+            <a:schemeClr val="accent1"/>
+          </a:effectRef>
+          <a:fontRef idx="minor">
+            <a:schemeClr val="tx1"/>
+          </a:fontRef>
+        </p:style>
+      </p:cxnSp>
+      <p:cxnSp>
+        <p:nvCxnSpPr>
+          <p:cNvPr id="46" name="Elbow Connector 45"/>
+          <p:cNvCxnSpPr>
+            <a:stCxn id="5" idx="0"/>
+            <a:endCxn id="7" idx="3"/>
+          </p:cNvCxnSpPr>
+          <p:nvPr/>
+        </p:nvCxnSpPr>
+        <p:spPr>
+          <a:xfrm rot="16200000" flipV="1">
+            <a:off x="2538541" y="3555629"/>
+            <a:ext cx="789252" cy="1701500"/>
+          </a:xfrm>
+          <a:prstGeom prst="bentConnector2">
+            <a:avLst/>
+          </a:prstGeom>
+          <a:ln w="19050">
+            <a:solidFill>
+              <a:schemeClr val="tx1"/>
+            </a:solidFill>
+            <a:tailEnd type="triangle"/>
+          </a:ln>
+        </p:spPr>
+        <p:style>
+          <a:lnRef idx="1">
+            <a:schemeClr val="accent1"/>
+          </a:lnRef>
+          <a:fillRef idx="0">
+            <a:schemeClr val="accent1"/>
+          </a:fillRef>
+          <a:effectRef idx="0">
+            <a:schemeClr val="accent1"/>
+          </a:effectRef>
+          <a:fontRef idx="minor">
+            <a:schemeClr val="tx1"/>
+          </a:fontRef>
+        </p:style>
+      </p:cxnSp>
+      <p:cxnSp>
+        <p:nvCxnSpPr>
+          <p:cNvPr id="49" name="Elbow Connector 48"/>
+          <p:cNvCxnSpPr>
+            <a:stCxn id="10" idx="1"/>
+            <a:endCxn id="5" idx="3"/>
+          </p:cNvCxnSpPr>
+          <p:nvPr/>
+        </p:nvCxnSpPr>
+        <p:spPr>
+          <a:xfrm rot="10800000">
+            <a:off x="4606878" y="5166766"/>
+            <a:ext cx="906143" cy="34359"/>
+          </a:xfrm>
+          <a:prstGeom prst="bentConnector3">
+            <a:avLst>
+              <a:gd name="adj1" fmla="val 50000"/>
+            </a:avLst>
+          </a:prstGeom>
+          <a:ln w="19050">
+            <a:solidFill>
+              <a:schemeClr val="tx1"/>
+            </a:solidFill>
+            <a:tailEnd type="triangle"/>
+          </a:ln>
+        </p:spPr>
+        <p:style>
+          <a:lnRef idx="1">
+            <a:schemeClr val="accent1"/>
+          </a:lnRef>
+          <a:fillRef idx="0">
+            <a:schemeClr val="accent1"/>
+          </a:fillRef>
+          <a:effectRef idx="0">
+            <a:schemeClr val="accent1"/>
+          </a:effectRef>
+          <a:fontRef idx="minor">
+            <a:schemeClr val="tx1"/>
+          </a:fontRef>
+        </p:style>
+      </p:cxnSp>
+      <p:cxnSp>
+        <p:nvCxnSpPr>
+          <p:cNvPr id="53" name="Elbow Connector 52"/>
+          <p:cNvCxnSpPr>
+            <a:stCxn id="10" idx="3"/>
+            <a:endCxn id="9" idx="1"/>
+          </p:cNvCxnSpPr>
+          <p:nvPr/>
+        </p:nvCxnSpPr>
+        <p:spPr>
+          <a:xfrm flipV="1">
+            <a:off x="7158940" y="5200542"/>
+            <a:ext cx="761800" cy="0"/>
+          </a:xfrm>
+          <a:prstGeom prst="bentConnector3">
+            <a:avLst>
+              <a:gd name="adj1" fmla="val 50000"/>
+            </a:avLst>
+          </a:prstGeom>
+          <a:ln w="19050">
+            <a:solidFill>
+              <a:schemeClr val="tx1"/>
+            </a:solidFill>
+            <a:tailEnd type="triangle"/>
+          </a:ln>
+        </p:spPr>
+        <p:style>
+          <a:lnRef idx="1">
+            <a:schemeClr val="accent1"/>
+          </a:lnRef>
+          <a:fillRef idx="0">
+            <a:schemeClr val="accent1"/>
+          </a:fillRef>
+          <a:effectRef idx="0">
+            <a:schemeClr val="accent1"/>
+          </a:effectRef>
+          <a:fontRef idx="minor">
+            <a:schemeClr val="tx1"/>
+          </a:fontRef>
+        </p:style>
+      </p:cxnSp>
+      <p:cxnSp>
+        <p:nvCxnSpPr>
+          <p:cNvPr id="58" name="Elbow Connector 57"/>
+          <p:cNvCxnSpPr>
+            <a:stCxn id="9" idx="3"/>
+            <a:endCxn id="8" idx="1"/>
+          </p:cNvCxnSpPr>
+          <p:nvPr/>
+        </p:nvCxnSpPr>
+        <p:spPr>
+          <a:xfrm flipV="1">
+            <a:off x="9571740" y="5184290"/>
+            <a:ext cx="408836" cy="16253"/>
+          </a:xfrm>
+          <a:prstGeom prst="bentConnector3">
+            <a:avLst>
+              <a:gd name="adj1" fmla="val 50000"/>
+            </a:avLst>
+          </a:prstGeom>
+          <a:ln w="19050">
+            <a:solidFill>
+              <a:schemeClr val="tx1"/>
+            </a:solidFill>
+            <a:tailEnd type="triangle"/>
+          </a:ln>
+        </p:spPr>
+        <p:style>
+          <a:lnRef idx="1">
+            <a:schemeClr val="accent1"/>
+          </a:lnRef>
+          <a:fillRef idx="0">
+            <a:schemeClr val="accent1"/>
+          </a:fillRef>
+          <a:effectRef idx="0">
+            <a:schemeClr val="accent1"/>
+          </a:effectRef>
+          <a:fontRef idx="minor">
+            <a:schemeClr val="tx1"/>
+          </a:fontRef>
+        </p:style>
+      </p:cxnSp>
+      <p:cxnSp>
+        <p:nvCxnSpPr>
+          <p:cNvPr id="142" name="Elbow Connector 141"/>
+          <p:cNvCxnSpPr>
+            <a:stCxn id="9" idx="2"/>
+            <a:endCxn id="6" idx="3"/>
+          </p:cNvCxnSpPr>
+          <p:nvPr/>
+        </p:nvCxnSpPr>
+        <p:spPr>
+          <a:xfrm rot="5400000">
+            <a:off x="6260851" y="3912330"/>
+            <a:ext cx="831416" cy="4139363"/>
+          </a:xfrm>
+          <a:prstGeom prst="bentConnector2">
+            <a:avLst/>
+          </a:prstGeom>
+          <a:ln w="19050">
+            <a:solidFill>
+              <a:schemeClr val="tx1"/>
+            </a:solidFill>
+            <a:tailEnd type="triangle"/>
+          </a:ln>
+        </p:spPr>
+        <p:style>
+          <a:lnRef idx="1">
+            <a:schemeClr val="accent1"/>
+          </a:lnRef>
+          <a:fillRef idx="0">
+            <a:schemeClr val="accent1"/>
+          </a:fillRef>
+          <a:effectRef idx="0">
+            <a:schemeClr val="accent1"/>
+          </a:effectRef>
+          <a:fontRef idx="minor">
+            <a:schemeClr val="tx1"/>
+          </a:fontRef>
+        </p:style>
+      </p:cxnSp>
+      <p:sp>
+        <p:nvSpPr>
+          <p:cNvPr id="146" name="TextBox 145"/>
+          <p:cNvSpPr txBox="1"/>
+          <p:nvPr/>
+        </p:nvSpPr>
+        <p:spPr>
+          <a:xfrm>
+            <a:off x="481231" y="4429517"/>
+            <a:ext cx="778226" cy="276999"/>
+          </a:xfrm>
+          <a:prstGeom prst="rect">
+            <a:avLst/>
+          </a:prstGeom>
+          <a:noFill/>
+        </p:spPr>
+        <p:txBody>
+          <a:bodyPr wrap="none" rtlCol="0">
+            <a:spAutoFit/>
+          </a:bodyPr>
+          <a:lstStyle/>
+          <a:p>
+            <a:r>
+              <a:rPr lang="en-US" sz="1200" dirty="0" smtClean="0"/>
+              <a:t>has many</a:t>
+            </a:r>
+            <a:endParaRPr lang="en-US" sz="1200" dirty="0"/>
+          </a:p>
+        </p:txBody>
+      </p:sp>
+      <p:sp>
+        <p:nvSpPr>
+          <p:cNvPr id="147" name="TextBox 146"/>
+          <p:cNvSpPr txBox="1"/>
+          <p:nvPr/>
+        </p:nvSpPr>
+        <p:spPr>
+          <a:xfrm>
+            <a:off x="2120180" y="6120720"/>
+            <a:ext cx="778226" cy="276999"/>
+          </a:xfrm>
+          <a:prstGeom prst="rect">
+            <a:avLst/>
+          </a:prstGeom>
+          <a:noFill/>
+        </p:spPr>
+        <p:txBody>
+          <a:bodyPr wrap="none" rtlCol="0">
+            <a:spAutoFit/>
+          </a:bodyPr>
+          <a:lstStyle/>
+          <a:p>
+            <a:r>
+              <a:rPr lang="en-US" sz="1200" smtClean="0"/>
+              <a:t>has many</a:t>
+            </a:r>
+            <a:endParaRPr lang="en-US" sz="1200"/>
+          </a:p>
+        </p:txBody>
+      </p:sp>
+      <p:sp>
+        <p:nvSpPr>
+          <p:cNvPr id="148" name="TextBox 147"/>
+          <p:cNvSpPr txBox="1"/>
+          <p:nvPr/>
+        </p:nvSpPr>
+        <p:spPr>
+          <a:xfrm>
+            <a:off x="2120180" y="4886245"/>
+            <a:ext cx="778226" cy="276999"/>
+          </a:xfrm>
+          <a:prstGeom prst="rect">
+            <a:avLst/>
+          </a:prstGeom>
+          <a:noFill/>
+        </p:spPr>
+        <p:txBody>
+          <a:bodyPr wrap="none" rtlCol="0">
+            <a:spAutoFit/>
+          </a:bodyPr>
+          <a:lstStyle/>
+          <a:p>
+            <a:r>
+              <a:rPr lang="en-US" sz="1200" smtClean="0"/>
+              <a:t>has many</a:t>
+            </a:r>
+            <a:endParaRPr lang="en-US" sz="1200"/>
+          </a:p>
+        </p:txBody>
+      </p:sp>
+      <p:sp>
+        <p:nvSpPr>
+          <p:cNvPr id="149" name="TextBox 148"/>
+          <p:cNvSpPr txBox="1"/>
+          <p:nvPr/>
+        </p:nvSpPr>
+        <p:spPr>
+          <a:xfrm>
+            <a:off x="7170490" y="4931163"/>
+            <a:ext cx="778226" cy="276999"/>
+          </a:xfrm>
+          <a:prstGeom prst="rect">
+            <a:avLst/>
+          </a:prstGeom>
+          <a:noFill/>
+        </p:spPr>
+        <p:txBody>
+          <a:bodyPr wrap="none" rtlCol="0">
+            <a:spAutoFit/>
+          </a:bodyPr>
+          <a:lstStyle/>
+          <a:p>
+            <a:r>
+              <a:rPr lang="en-US" sz="1200" dirty="0" smtClean="0"/>
+              <a:t>has many</a:t>
+            </a:r>
+            <a:endParaRPr lang="en-US" sz="1200" dirty="0"/>
+          </a:p>
+        </p:txBody>
+      </p:sp>
+      <p:sp>
+        <p:nvSpPr>
+          <p:cNvPr id="150" name="TextBox 149"/>
+          <p:cNvSpPr txBox="1"/>
+          <p:nvPr/>
+        </p:nvSpPr>
+        <p:spPr>
+          <a:xfrm>
+            <a:off x="9571108" y="4726471"/>
+            <a:ext cx="426912" cy="461665"/>
+          </a:xfrm>
+          <a:prstGeom prst="rect">
+            <a:avLst/>
+          </a:prstGeom>
+          <a:noFill/>
+        </p:spPr>
+        <p:txBody>
+          <a:bodyPr wrap="none" rtlCol="0">
+            <a:spAutoFit/>
+          </a:bodyPr>
+          <a:lstStyle/>
+          <a:p>
+            <a:r>
+              <a:rPr lang="en-US" sz="1200" smtClean="0"/>
+              <a:t>has</a:t>
+            </a:r>
+          </a:p>
+          <a:p>
+            <a:r>
+              <a:rPr lang="en-US" sz="1200" dirty="0" smtClean="0"/>
+              <a:t>two</a:t>
+            </a:r>
+            <a:endParaRPr lang="en-US" sz="1200" dirty="0"/>
+          </a:p>
+        </p:txBody>
+      </p:sp>
+      <p:sp>
+        <p:nvSpPr>
+          <p:cNvPr id="151" name="TextBox 150"/>
+          <p:cNvSpPr txBox="1"/>
+          <p:nvPr/>
+        </p:nvSpPr>
+        <p:spPr>
+          <a:xfrm>
+            <a:off x="5842387" y="6120720"/>
+            <a:ext cx="1071897" cy="276999"/>
+          </a:xfrm>
+          <a:prstGeom prst="rect">
+            <a:avLst/>
+          </a:prstGeom>
+          <a:noFill/>
+        </p:spPr>
+        <p:txBody>
+          <a:bodyPr wrap="none" rtlCol="0">
+            <a:spAutoFit/>
+          </a:bodyPr>
+          <a:lstStyle/>
+          <a:p>
+            <a:r>
+              <a:rPr lang="en-US" sz="1200" smtClean="0"/>
+              <a:t>is </a:t>
+            </a:r>
+            <a:r>
+              <a:rPr lang="en-US" sz="1200" dirty="0" smtClean="0"/>
+              <a:t>triggered by</a:t>
+            </a:r>
+            <a:endParaRPr lang="en-US" sz="1200" dirty="0"/>
+          </a:p>
+        </p:txBody>
+      </p:sp>
+      <p:sp>
+        <p:nvSpPr>
+          <p:cNvPr id="152" name="TextBox 151"/>
+          <p:cNvSpPr txBox="1"/>
+          <p:nvPr/>
+        </p:nvSpPr>
+        <p:spPr>
+          <a:xfrm>
+            <a:off x="4629577" y="4886245"/>
+            <a:ext cx="389850" cy="276999"/>
+          </a:xfrm>
+          <a:prstGeom prst="rect">
+            <a:avLst/>
+          </a:prstGeom>
+          <a:noFill/>
+        </p:spPr>
+        <p:txBody>
+          <a:bodyPr wrap="none" rtlCol="0">
+            <a:spAutoFit/>
+          </a:bodyPr>
+          <a:lstStyle/>
+          <a:p>
+            <a:r>
+              <a:rPr lang="en-US" sz="1200" dirty="0" smtClean="0"/>
+              <a:t>is a</a:t>
+            </a:r>
+            <a:endParaRPr lang="en-US" sz="1200" dirty="0"/>
+          </a:p>
+        </p:txBody>
+      </p:sp>
+      <p:sp>
+        <p:nvSpPr>
+          <p:cNvPr id="153" name="TextBox 152"/>
+          <p:cNvSpPr txBox="1"/>
+          <p:nvPr/>
+        </p:nvSpPr>
+        <p:spPr>
+          <a:xfrm>
+            <a:off x="2214599" y="4048990"/>
+            <a:ext cx="1461682" cy="276999"/>
+          </a:xfrm>
+          <a:prstGeom prst="rect">
+            <a:avLst/>
+          </a:prstGeom>
+          <a:noFill/>
+        </p:spPr>
+        <p:txBody>
+          <a:bodyPr wrap="none" rtlCol="0">
+            <a:spAutoFit/>
+          </a:bodyPr>
+          <a:lstStyle/>
+          <a:p>
+            <a:r>
+              <a:rPr lang="en-US" sz="1200" dirty="0" smtClean="0"/>
+              <a:t>sends </a:t>
+            </a:r>
+            <a:r>
+              <a:rPr lang="en-US" sz="1200" smtClean="0"/>
+              <a:t>to</a:t>
+            </a:r>
+            <a:r>
+              <a:rPr lang="en-US" sz="1200"/>
+              <a:t>, </a:t>
+            </a:r>
+            <a:r>
+              <a:rPr lang="en-US" sz="1200"/>
+              <a:t>reads </a:t>
+            </a:r>
+            <a:r>
+              <a:rPr lang="en-US" sz="1200" smtClean="0"/>
+              <a:t>from</a:t>
+            </a:r>
+            <a:endParaRPr lang="en-US" sz="1200"/>
+          </a:p>
+        </p:txBody>
+      </p:sp>
+      <p:sp>
+        <p:nvSpPr>
+          <p:cNvPr id="155" name="TextBox 154"/>
+          <p:cNvSpPr txBox="1"/>
+          <p:nvPr/>
+        </p:nvSpPr>
+        <p:spPr>
+          <a:xfrm>
+            <a:off x="3783917" y="5564025"/>
+            <a:ext cx="570990" cy="276999"/>
+          </a:xfrm>
+          <a:prstGeom prst="rect">
+            <a:avLst/>
+          </a:prstGeom>
+          <a:noFill/>
+        </p:spPr>
+        <p:txBody>
+          <a:bodyPr wrap="none" rtlCol="0">
+            <a:spAutoFit/>
+          </a:bodyPr>
+          <a:lstStyle/>
+          <a:p>
+            <a:r>
+              <a:rPr lang="en-US" sz="1200" dirty="0" smtClean="0"/>
+              <a:t>emits,</a:t>
+            </a:r>
+            <a:endParaRPr lang="en-US" sz="1200" dirty="0"/>
+          </a:p>
+        </p:txBody>
+      </p:sp>
+      <p:sp>
+        <p:nvSpPr>
+          <p:cNvPr id="156" name="TextBox 155"/>
+          <p:cNvSpPr txBox="1"/>
+          <p:nvPr/>
+        </p:nvSpPr>
+        <p:spPr>
+          <a:xfrm>
+            <a:off x="3783917" y="5727674"/>
+            <a:ext cx="699102" cy="276999"/>
+          </a:xfrm>
+          <a:prstGeom prst="rect">
+            <a:avLst/>
+          </a:prstGeom>
+          <a:noFill/>
+        </p:spPr>
+        <p:txBody>
+          <a:bodyPr wrap="none" rtlCol="0">
+            <a:spAutoFit/>
+          </a:bodyPr>
+          <a:lstStyle/>
+          <a:p>
+            <a:r>
+              <a:rPr lang="en-US" sz="1200" dirty="0" smtClean="0"/>
+              <a:t>watches</a:t>
+            </a:r>
+            <a:endParaRPr lang="en-US" sz="1200" dirty="0"/>
+          </a:p>
+        </p:txBody>
+      </p:sp>
+      <p:sp>
+        <p:nvSpPr>
+          <p:cNvPr id="29" name="Rectangle 28"/>
+          <p:cNvSpPr/>
+          <p:nvPr/>
+        </p:nvSpPr>
+        <p:spPr>
+          <a:xfrm>
+            <a:off x="4169648" y="885346"/>
+            <a:ext cx="1645920" cy="731520"/>
+          </a:xfrm>
+          <a:prstGeom prst="rect">
+            <a:avLst/>
+          </a:prstGeom>
+          <a:ln w="19050">
+            <a:solidFill>
+              <a:schemeClr val="accent2">
+                <a:lumMod val="75000"/>
+              </a:schemeClr>
+            </a:solidFill>
+          </a:ln>
+        </p:spPr>
+        <p:style>
+          <a:lnRef idx="2">
+            <a:schemeClr val="dk1"/>
+          </a:lnRef>
+          <a:fillRef idx="1">
+            <a:schemeClr val="lt1"/>
+          </a:fillRef>
+          <a:effectRef idx="0">
+            <a:schemeClr val="dk1"/>
+          </a:effectRef>
+          <a:fontRef idx="minor">
+            <a:schemeClr val="dk1"/>
+          </a:fontRef>
+        </p:style>
+        <p:txBody>
+          <a:bodyPr rtlCol="0" anchor="ctr"/>
+          <a:lstStyle/>
+          <a:p>
+            <a:pPr algn="ctr"/>
+            <a:r>
+              <a:rPr lang="en-US" smtClean="0"/>
+              <a:t>Agent</a:t>
+            </a:r>
+            <a:endParaRPr lang="en-US" dirty="0"/>
+          </a:p>
+        </p:txBody>
+      </p:sp>
+      <p:sp>
+        <p:nvSpPr>
+          <p:cNvPr id="30" name="Rectangle 29"/>
+          <p:cNvSpPr/>
+          <p:nvPr/>
+        </p:nvSpPr>
+        <p:spPr>
+          <a:xfrm>
+            <a:off x="4172144" y="1860508"/>
+            <a:ext cx="1645920" cy="731520"/>
+          </a:xfrm>
+          <a:prstGeom prst="rect">
+            <a:avLst/>
+          </a:prstGeom>
+          <a:ln w="19050">
+            <a:solidFill>
+              <a:schemeClr val="accent2">
+                <a:lumMod val="75000"/>
+              </a:schemeClr>
+            </a:solidFill>
+          </a:ln>
+        </p:spPr>
+        <p:style>
+          <a:lnRef idx="2">
+            <a:schemeClr val="dk1"/>
+          </a:lnRef>
+          <a:fillRef idx="1">
+            <a:schemeClr val="lt1"/>
+          </a:fillRef>
+          <a:effectRef idx="0">
+            <a:schemeClr val="dk1"/>
+          </a:effectRef>
+          <a:fontRef idx="minor">
+            <a:schemeClr val="dk1"/>
+          </a:fontRef>
+        </p:style>
+        <p:txBody>
+          <a:bodyPr rtlCol="0" anchor="ctr"/>
+          <a:lstStyle/>
+          <a:p>
+            <a:pPr algn="ctr"/>
+            <a:r>
+              <a:rPr lang="en-US" dirty="0" smtClean="0"/>
+              <a:t>Agent</a:t>
+            </a:r>
+          </a:p>
+          <a:p>
+            <a:pPr algn="ctr"/>
+            <a:r>
+              <a:rPr lang="en-US" dirty="0" smtClean="0"/>
+              <a:t>Interface</a:t>
+            </a:r>
+            <a:endParaRPr lang="en-US" dirty="0"/>
+          </a:p>
+        </p:txBody>
+      </p:sp>
+      <p:sp>
+        <p:nvSpPr>
+          <p:cNvPr id="2" name="TextBox 1"/>
+          <p:cNvSpPr txBox="1"/>
+          <p:nvPr/>
+        </p:nvSpPr>
+        <p:spPr>
+          <a:xfrm>
+            <a:off x="2853321" y="3098943"/>
+            <a:ext cx="1645920" cy="731520"/>
+          </a:xfrm>
+          <a:prstGeom prst="rect">
+            <a:avLst/>
+          </a:prstGeom>
+          <a:noFill/>
+          <a:ln w="19050">
+            <a:solidFill>
+              <a:schemeClr val="accent2">
+                <a:lumMod val="75000"/>
+              </a:schemeClr>
+            </a:solidFill>
+          </a:ln>
+        </p:spPr>
+        <p:txBody>
+          <a:bodyPr wrap="square" rtlCol="0" anchor="ctr" anchorCtr="0">
+            <a:noAutofit/>
+          </a:bodyPr>
+          <a:lstStyle/>
+          <a:p>
+            <a:pPr algn="ctr"/>
+            <a:r>
+              <a:rPr lang="en-US" dirty="0" smtClean="0"/>
+              <a:t>User Defined</a:t>
+            </a:r>
+          </a:p>
+          <a:p>
+            <a:pPr algn="ctr"/>
+            <a:r>
+              <a:rPr lang="en-US" dirty="0" smtClean="0"/>
+              <a:t>Process</a:t>
+            </a:r>
+            <a:endParaRPr lang="en-US" dirty="0"/>
+          </a:p>
+        </p:txBody>
+      </p:sp>
+      <p:sp>
+        <p:nvSpPr>
+          <p:cNvPr id="32" name="TextBox 31"/>
+          <p:cNvSpPr txBox="1"/>
+          <p:nvPr/>
+        </p:nvSpPr>
+        <p:spPr>
+          <a:xfrm>
+            <a:off x="5485417" y="3098943"/>
+            <a:ext cx="1645920" cy="731520"/>
+          </a:xfrm>
+          <a:prstGeom prst="rect">
+            <a:avLst/>
+          </a:prstGeom>
+          <a:noFill/>
+          <a:ln w="19050">
+            <a:solidFill>
+              <a:schemeClr val="accent2">
+                <a:lumMod val="75000"/>
+              </a:schemeClr>
+            </a:solidFill>
+          </a:ln>
+        </p:spPr>
+        <p:txBody>
+          <a:bodyPr wrap="none" rtlCol="0" anchor="ctr" anchorCtr="0">
+            <a:noAutofit/>
+          </a:bodyPr>
+          <a:lstStyle/>
+          <a:p>
+            <a:pPr algn="ctr"/>
+            <a:r>
+              <a:rPr lang="en-US" dirty="0" smtClean="0"/>
+              <a:t>User Defined</a:t>
+            </a:r>
+          </a:p>
+          <a:p>
+            <a:pPr algn="ctr"/>
+            <a:r>
+              <a:rPr lang="en-US" dirty="0" smtClean="0"/>
+              <a:t>State Machine</a:t>
+            </a:r>
+            <a:endParaRPr lang="en-US" dirty="0"/>
+          </a:p>
+        </p:txBody>
+      </p:sp>
+      <p:sp>
+        <p:nvSpPr>
+          <p:cNvPr id="33" name="TextBox 32"/>
+          <p:cNvSpPr txBox="1"/>
+          <p:nvPr/>
+        </p:nvSpPr>
+        <p:spPr>
+          <a:xfrm>
+            <a:off x="9980576" y="3098943"/>
+            <a:ext cx="1645920" cy="731520"/>
+          </a:xfrm>
+          <a:prstGeom prst="rect">
+            <a:avLst/>
+          </a:prstGeom>
+          <a:noFill/>
+          <a:ln w="19050">
+            <a:solidFill>
+              <a:schemeClr val="accent2">
+                <a:lumMod val="75000"/>
+              </a:schemeClr>
+            </a:solidFill>
+          </a:ln>
+        </p:spPr>
+        <p:txBody>
+          <a:bodyPr wrap="none" rtlCol="0" anchor="ctr" anchorCtr="0">
+            <a:noAutofit/>
+          </a:bodyPr>
+          <a:lstStyle/>
+          <a:p>
+            <a:pPr algn="ctr"/>
+            <a:r>
+              <a:rPr lang="en-US" dirty="0" smtClean="0"/>
+              <a:t>User Defined</a:t>
+            </a:r>
+          </a:p>
+          <a:p>
+            <a:pPr algn="ctr"/>
+            <a:r>
+              <a:rPr lang="en-US" dirty="0" smtClean="0"/>
+              <a:t>State</a:t>
+            </a:r>
+            <a:endParaRPr lang="en-US" dirty="0"/>
+          </a:p>
+        </p:txBody>
+      </p:sp>
+      <p:sp>
+        <p:nvSpPr>
+          <p:cNvPr id="34" name="Rectangle 33"/>
+          <p:cNvSpPr/>
+          <p:nvPr/>
+        </p:nvSpPr>
+        <p:spPr>
+          <a:xfrm>
+            <a:off x="8306588" y="885346"/>
+            <a:ext cx="1645920" cy="731520"/>
+          </a:xfrm>
+          <a:prstGeom prst="rect">
+            <a:avLst/>
+          </a:prstGeom>
+          <a:ln w="19050">
+            <a:solidFill>
+              <a:schemeClr val="accent2">
+                <a:lumMod val="75000"/>
+              </a:schemeClr>
+            </a:solidFill>
+          </a:ln>
+        </p:spPr>
+        <p:style>
+          <a:lnRef idx="2">
+            <a:schemeClr val="dk1"/>
+          </a:lnRef>
+          <a:fillRef idx="1">
+            <a:schemeClr val="lt1"/>
+          </a:fillRef>
+          <a:effectRef idx="0">
+            <a:schemeClr val="dk1"/>
+          </a:effectRef>
+          <a:fontRef idx="minor">
+            <a:schemeClr val="dk1"/>
+          </a:fontRef>
+        </p:style>
+        <p:txBody>
+          <a:bodyPr rtlCol="0" anchor="ctr"/>
+          <a:lstStyle/>
+          <a:p>
+            <a:pPr algn="ctr"/>
+            <a:r>
+              <a:rPr lang="en-US" dirty="0" smtClean="0"/>
+              <a:t>World</a:t>
+            </a:r>
+            <a:endParaRPr lang="en-US" dirty="0"/>
+          </a:p>
+        </p:txBody>
+      </p:sp>
+      <p:sp>
+        <p:nvSpPr>
+          <p:cNvPr id="35" name="Rectangle 34"/>
+          <p:cNvSpPr/>
+          <p:nvPr/>
+        </p:nvSpPr>
+        <p:spPr>
+          <a:xfrm>
+            <a:off x="10158438" y="855608"/>
+            <a:ext cx="1645920" cy="731520"/>
+          </a:xfrm>
+          <a:prstGeom prst="rect">
+            <a:avLst/>
+          </a:prstGeom>
+          <a:ln w="19050">
+            <a:solidFill>
+              <a:schemeClr val="accent2">
+                <a:lumMod val="75000"/>
+              </a:schemeClr>
+            </a:solidFill>
+          </a:ln>
+        </p:spPr>
+        <p:style>
+          <a:lnRef idx="2">
+            <a:schemeClr val="dk1"/>
+          </a:lnRef>
+          <a:fillRef idx="1">
+            <a:schemeClr val="lt1"/>
+          </a:fillRef>
+          <a:effectRef idx="0">
+            <a:schemeClr val="dk1"/>
+          </a:effectRef>
+          <a:fontRef idx="minor">
+            <a:schemeClr val="dk1"/>
+          </a:fontRef>
+        </p:style>
+        <p:txBody>
+          <a:bodyPr rtlCol="0" anchor="ctr"/>
+          <a:lstStyle/>
+          <a:p>
+            <a:pPr algn="ctr"/>
+            <a:r>
+              <a:rPr lang="en-US" dirty="0" smtClean="0"/>
+              <a:t>World</a:t>
+            </a:r>
+          </a:p>
+          <a:p>
+            <a:pPr algn="ctr"/>
+            <a:r>
+              <a:rPr lang="en-US" dirty="0" smtClean="0"/>
+              <a:t>Server (enviro)</a:t>
+            </a:r>
+            <a:endParaRPr lang="en-US" dirty="0"/>
+          </a:p>
+        </p:txBody>
+      </p:sp>
+      <p:sp>
+        <p:nvSpPr>
+          <p:cNvPr id="36" name="Rectangle 35"/>
+          <p:cNvSpPr/>
+          <p:nvPr/>
+        </p:nvSpPr>
+        <p:spPr>
+          <a:xfrm>
+            <a:off x="10158438" y="1830770"/>
+            <a:ext cx="1645920" cy="879026"/>
+          </a:xfrm>
+          <a:prstGeom prst="rect">
+            <a:avLst/>
+          </a:prstGeom>
+          <a:ln w="19050">
+            <a:solidFill>
+              <a:schemeClr val="accent2">
+                <a:lumMod val="75000"/>
+              </a:schemeClr>
+            </a:solidFill>
+          </a:ln>
+        </p:spPr>
+        <p:style>
+          <a:lnRef idx="2">
+            <a:schemeClr val="dk1"/>
+          </a:lnRef>
+          <a:fillRef idx="1">
+            <a:schemeClr val="lt1"/>
+          </a:fillRef>
+          <a:effectRef idx="0">
+            <a:schemeClr val="dk1"/>
+          </a:effectRef>
+          <a:fontRef idx="minor">
+            <a:schemeClr val="dk1"/>
+          </a:fontRef>
+        </p:style>
+        <p:txBody>
+          <a:bodyPr rtlCol="0" anchor="ctr"/>
+          <a:lstStyle/>
+          <a:p>
+            <a:pPr algn="ctr"/>
+            <a:r>
+              <a:rPr lang="en-US" dirty="0" smtClean="0"/>
+              <a:t>World</a:t>
+            </a:r>
+          </a:p>
+          <a:p>
+            <a:pPr algn="ctr"/>
+            <a:r>
+              <a:rPr lang="en-US" dirty="0" smtClean="0"/>
+              <a:t>Client (Web Browser)</a:t>
+            </a:r>
+            <a:endParaRPr lang="en-US" dirty="0"/>
+          </a:p>
+        </p:txBody>
+      </p:sp>
+      <p:sp>
+        <p:nvSpPr>
+          <p:cNvPr id="37" name="Rectangle 36"/>
+          <p:cNvSpPr/>
+          <p:nvPr/>
+        </p:nvSpPr>
+        <p:spPr>
+          <a:xfrm>
+            <a:off x="6504790" y="1860508"/>
+            <a:ext cx="1645920" cy="731520"/>
+          </a:xfrm>
+          <a:prstGeom prst="rect">
+            <a:avLst/>
+          </a:prstGeom>
+          <a:ln w="19050">
+            <a:solidFill>
+              <a:schemeClr val="accent2">
+                <a:lumMod val="75000"/>
+              </a:schemeClr>
+            </a:solidFill>
+          </a:ln>
+        </p:spPr>
+        <p:style>
+          <a:lnRef idx="2">
+            <a:schemeClr val="dk1"/>
+          </a:lnRef>
+          <a:fillRef idx="1">
+            <a:schemeClr val="lt1"/>
+          </a:fillRef>
+          <a:effectRef idx="0">
+            <a:schemeClr val="dk1"/>
+          </a:effectRef>
+          <a:fontRef idx="minor">
+            <a:schemeClr val="dk1"/>
+          </a:fontRef>
+        </p:style>
+        <p:txBody>
+          <a:bodyPr rtlCol="0" anchor="ctr"/>
+          <a:lstStyle/>
+          <a:p>
+            <a:pPr algn="ctr"/>
+            <a:r>
+              <a:rPr lang="en-US" dirty="0" smtClean="0"/>
+              <a:t>Physics</a:t>
+            </a:r>
+          </a:p>
+          <a:p>
+            <a:pPr algn="ctr"/>
+            <a:r>
+              <a:rPr lang="en-US" dirty="0" smtClean="0"/>
+              <a:t>Engine</a:t>
+            </a:r>
+            <a:endParaRPr lang="en-US" dirty="0"/>
+          </a:p>
+        </p:txBody>
+      </p:sp>
+      <p:sp>
+        <p:nvSpPr>
+          <p:cNvPr id="38" name="Rectangle 37"/>
+          <p:cNvSpPr/>
+          <p:nvPr/>
+        </p:nvSpPr>
+        <p:spPr>
+          <a:xfrm>
+            <a:off x="6504790" y="885346"/>
+            <a:ext cx="1645920" cy="731520"/>
+          </a:xfrm>
+          <a:prstGeom prst="rect">
+            <a:avLst/>
+          </a:prstGeom>
+          <a:ln w="19050">
+            <a:solidFill>
+              <a:schemeClr val="accent2">
+                <a:lumMod val="75000"/>
+              </a:schemeClr>
+            </a:solidFill>
+          </a:ln>
+        </p:spPr>
+        <p:style>
+          <a:lnRef idx="2">
+            <a:schemeClr val="dk1"/>
+          </a:lnRef>
+          <a:fillRef idx="1">
+            <a:schemeClr val="lt1"/>
+          </a:fillRef>
+          <a:effectRef idx="0">
+            <a:schemeClr val="dk1"/>
+          </a:effectRef>
+          <a:fontRef idx="minor">
+            <a:schemeClr val="dk1"/>
+          </a:fontRef>
+        </p:style>
+        <p:txBody>
+          <a:bodyPr rtlCol="0" anchor="ctr"/>
+          <a:lstStyle/>
+          <a:p>
+            <a:pPr algn="ctr"/>
+            <a:r>
+              <a:rPr lang="en-US" dirty="0" smtClean="0"/>
+              <a:t>Physics</a:t>
+            </a:r>
+          </a:p>
+          <a:p>
+            <a:pPr algn="ctr"/>
+            <a:r>
+              <a:rPr lang="en-US" dirty="0" smtClean="0"/>
+              <a:t>Object</a:t>
+            </a:r>
+            <a:endParaRPr lang="en-US" dirty="0"/>
+          </a:p>
+        </p:txBody>
+      </p:sp>
+      <p:cxnSp>
+        <p:nvCxnSpPr>
+          <p:cNvPr id="69" name="Elbow Connector 68"/>
+          <p:cNvCxnSpPr>
+            <a:stCxn id="29" idx="1"/>
+            <a:endCxn id="2" idx="0"/>
+          </p:cNvCxnSpPr>
+          <p:nvPr/>
+        </p:nvCxnSpPr>
+        <p:spPr>
+          <a:xfrm rot="10800000" flipV="1">
+            <a:off x="3676282" y="1251105"/>
+            <a:ext cx="493367" cy="1847837"/>
+          </a:xfrm>
+          <a:prstGeom prst="bentConnector2">
+            <a:avLst/>
+          </a:prstGeom>
+          <a:ln w="19050">
+            <a:solidFill>
+              <a:schemeClr val="tx1"/>
+            </a:solidFill>
+            <a:tailEnd type="triangle"/>
+          </a:ln>
+        </p:spPr>
+        <p:style>
+          <a:lnRef idx="1">
+            <a:schemeClr val="accent1"/>
+          </a:lnRef>
+          <a:fillRef idx="0">
+            <a:schemeClr val="accent1"/>
+          </a:fillRef>
+          <a:effectRef idx="0">
+            <a:schemeClr val="accent1"/>
+          </a:effectRef>
+          <a:fontRef idx="minor">
+            <a:schemeClr val="tx1"/>
+          </a:fontRef>
+        </p:style>
+      </p:cxnSp>
+      <p:cxnSp>
+        <p:nvCxnSpPr>
+          <p:cNvPr id="72" name="Elbow Connector 71"/>
+          <p:cNvCxnSpPr>
+            <a:stCxn id="29" idx="3"/>
+            <a:endCxn id="32" idx="0"/>
+          </p:cNvCxnSpPr>
+          <p:nvPr/>
+        </p:nvCxnSpPr>
+        <p:spPr>
+          <a:xfrm>
+            <a:off x="5815568" y="1251106"/>
+            <a:ext cx="492809" cy="1847837"/>
+          </a:xfrm>
+          <a:prstGeom prst="bentConnector2">
+            <a:avLst/>
+          </a:prstGeom>
+          <a:ln w="19050">
+            <a:solidFill>
+              <a:schemeClr val="tx1"/>
+            </a:solidFill>
+            <a:tailEnd type="triangle"/>
+          </a:ln>
+        </p:spPr>
+        <p:style>
+          <a:lnRef idx="1">
+            <a:schemeClr val="accent1"/>
+          </a:lnRef>
+          <a:fillRef idx="0">
+            <a:schemeClr val="accent1"/>
+          </a:fillRef>
+          <a:effectRef idx="0">
+            <a:schemeClr val="accent1"/>
+          </a:effectRef>
+          <a:fontRef idx="minor">
+            <a:schemeClr val="tx1"/>
+          </a:fontRef>
+        </p:style>
+      </p:cxnSp>
+      <p:cxnSp>
+        <p:nvCxnSpPr>
+          <p:cNvPr id="86" name="Elbow Connector 85"/>
+          <p:cNvCxnSpPr>
+            <a:stCxn id="2" idx="3"/>
+            <a:endCxn id="30" idx="1"/>
+          </p:cNvCxnSpPr>
+          <p:nvPr/>
+        </p:nvCxnSpPr>
+        <p:spPr>
+          <a:xfrm flipH="1" flipV="1">
+            <a:off x="4172144" y="2226268"/>
+            <a:ext cx="327097" cy="1238435"/>
+          </a:xfrm>
+          <a:prstGeom prst="bentConnector5">
+            <a:avLst>
+              <a:gd name="adj1" fmla="val -69888"/>
+              <a:gd name="adj2" fmla="val 50000"/>
+              <a:gd name="adj3" fmla="val 169888"/>
+            </a:avLst>
+          </a:prstGeom>
+          <a:ln w="19050">
+            <a:solidFill>
+              <a:schemeClr val="tx1"/>
+            </a:solidFill>
+            <a:tailEnd type="triangle"/>
+          </a:ln>
+        </p:spPr>
+        <p:style>
+          <a:lnRef idx="1">
+            <a:schemeClr val="accent1"/>
+          </a:lnRef>
+          <a:fillRef idx="0">
+            <a:schemeClr val="accent1"/>
+          </a:fillRef>
+          <a:effectRef idx="0">
+            <a:schemeClr val="accent1"/>
+          </a:effectRef>
+          <a:fontRef idx="minor">
+            <a:schemeClr val="tx1"/>
+          </a:fontRef>
+        </p:style>
+      </p:cxnSp>
+      <p:cxnSp>
+        <p:nvCxnSpPr>
+          <p:cNvPr id="113" name="Elbow Connector 112"/>
+          <p:cNvCxnSpPr>
+            <a:stCxn id="32" idx="1"/>
+            <a:endCxn id="30" idx="3"/>
+          </p:cNvCxnSpPr>
+          <p:nvPr/>
+        </p:nvCxnSpPr>
+        <p:spPr>
+          <a:xfrm rot="10800000" flipH="1">
+            <a:off x="5485416" y="2226269"/>
+            <a:ext cx="332647" cy="1238435"/>
+          </a:xfrm>
+          <a:prstGeom prst="bentConnector5">
+            <a:avLst>
+              <a:gd name="adj1" fmla="val -68721"/>
+              <a:gd name="adj2" fmla="val 50000"/>
+              <a:gd name="adj3" fmla="val 168721"/>
+            </a:avLst>
+          </a:prstGeom>
+          <a:ln w="19050">
+            <a:solidFill>
+              <a:schemeClr val="tx1"/>
+            </a:solidFill>
+            <a:tailEnd type="triangle"/>
+          </a:ln>
+        </p:spPr>
+        <p:style>
+          <a:lnRef idx="1">
+            <a:schemeClr val="accent1"/>
+          </a:lnRef>
+          <a:fillRef idx="0">
+            <a:schemeClr val="accent1"/>
+          </a:fillRef>
+          <a:effectRef idx="0">
+            <a:schemeClr val="accent1"/>
+          </a:effectRef>
+          <a:fontRef idx="minor">
+            <a:schemeClr val="tx1"/>
+          </a:fontRef>
+        </p:style>
+      </p:cxnSp>
+      <p:cxnSp>
+        <p:nvCxnSpPr>
+          <p:cNvPr id="116" name="Elbow Connector 115"/>
+          <p:cNvCxnSpPr>
+            <a:stCxn id="33" idx="2"/>
+            <a:endCxn id="30" idx="2"/>
+          </p:cNvCxnSpPr>
+          <p:nvPr/>
+        </p:nvCxnSpPr>
+        <p:spPr>
+          <a:xfrm rot="5400000" flipH="1">
+            <a:off x="7280102" y="307030"/>
+            <a:ext cx="1238435" cy="5808432"/>
+          </a:xfrm>
+          <a:prstGeom prst="bentConnector3">
+            <a:avLst>
+              <a:gd name="adj1" fmla="val -18459"/>
+            </a:avLst>
+          </a:prstGeom>
+          <a:ln w="19050">
+            <a:solidFill>
+              <a:schemeClr val="tx1"/>
+            </a:solidFill>
+            <a:tailEnd type="triangle"/>
+          </a:ln>
+        </p:spPr>
+        <p:style>
+          <a:lnRef idx="1">
+            <a:schemeClr val="accent1"/>
+          </a:lnRef>
+          <a:fillRef idx="0">
+            <a:schemeClr val="accent1"/>
+          </a:fillRef>
+          <a:effectRef idx="0">
+            <a:schemeClr val="accent1"/>
+          </a:effectRef>
+          <a:fontRef idx="minor">
+            <a:schemeClr val="tx1"/>
+          </a:fontRef>
+        </p:style>
+      </p:cxnSp>
+      <p:sp>
+        <p:nvSpPr>
+          <p:cNvPr id="165" name="TextBox 164"/>
+          <p:cNvSpPr txBox="1"/>
+          <p:nvPr/>
+        </p:nvSpPr>
+        <p:spPr>
+          <a:xfrm>
+            <a:off x="7901335" y="3098943"/>
+            <a:ext cx="1645920" cy="731520"/>
+          </a:xfrm>
+          <a:prstGeom prst="rect">
+            <a:avLst/>
+          </a:prstGeom>
+          <a:noFill/>
+          <a:ln w="19050">
+            <a:solidFill>
+              <a:schemeClr val="accent2">
+                <a:lumMod val="75000"/>
+              </a:schemeClr>
+            </a:solidFill>
+          </a:ln>
+        </p:spPr>
+        <p:txBody>
+          <a:bodyPr wrap="none" rtlCol="0" anchor="ctr" anchorCtr="0">
+            <a:noAutofit/>
+          </a:bodyPr>
+          <a:lstStyle/>
+          <a:p>
+            <a:pPr algn="ctr"/>
+            <a:r>
+              <a:rPr lang="en-US" dirty="0" smtClean="0"/>
+              <a:t>User Defined</a:t>
+            </a:r>
+          </a:p>
+          <a:p>
+            <a:pPr algn="ctr"/>
+            <a:r>
+              <a:rPr lang="en-US" dirty="0" smtClean="0"/>
+              <a:t>Transition</a:t>
+            </a:r>
+            <a:endParaRPr lang="en-US" dirty="0"/>
+          </a:p>
+        </p:txBody>
+      </p:sp>
+      <p:cxnSp>
+        <p:nvCxnSpPr>
+          <p:cNvPr id="189" name="Elbow Connector 188"/>
+          <p:cNvCxnSpPr>
+            <a:stCxn id="32" idx="3"/>
+            <a:endCxn id="165" idx="1"/>
+          </p:cNvCxnSpPr>
+          <p:nvPr/>
+        </p:nvCxnSpPr>
+        <p:spPr>
+          <a:xfrm>
+            <a:off x="7131337" y="3464703"/>
+            <a:ext cx="769998" cy="12700"/>
+          </a:xfrm>
+          <a:prstGeom prst="bentConnector3">
+            <a:avLst>
+              <a:gd name="adj1" fmla="val 50000"/>
+            </a:avLst>
+          </a:prstGeom>
+          <a:ln w="19050">
+            <a:solidFill>
+              <a:schemeClr val="tx1"/>
+            </a:solidFill>
+            <a:tailEnd type="triangle"/>
+          </a:ln>
+        </p:spPr>
+        <p:style>
+          <a:lnRef idx="1">
+            <a:schemeClr val="accent1"/>
+          </a:lnRef>
+          <a:fillRef idx="0">
+            <a:schemeClr val="accent1"/>
+          </a:fillRef>
+          <a:effectRef idx="0">
+            <a:schemeClr val="accent1"/>
+          </a:effectRef>
+          <a:fontRef idx="minor">
+            <a:schemeClr val="tx1"/>
+          </a:fontRef>
+        </p:style>
+      </p:cxnSp>
+      <p:cxnSp>
+        <p:nvCxnSpPr>
+          <p:cNvPr id="192" name="Elbow Connector 191"/>
+          <p:cNvCxnSpPr>
+            <a:stCxn id="165" idx="3"/>
+            <a:endCxn id="33" idx="1"/>
+          </p:cNvCxnSpPr>
+          <p:nvPr/>
+        </p:nvCxnSpPr>
+        <p:spPr>
+          <a:xfrm>
+            <a:off x="9547255" y="3464703"/>
+            <a:ext cx="433321" cy="12700"/>
+          </a:xfrm>
+          <a:prstGeom prst="bentConnector3">
+            <a:avLst>
+              <a:gd name="adj1" fmla="val 50000"/>
+            </a:avLst>
+          </a:prstGeom>
+          <a:ln w="19050">
+            <a:solidFill>
+              <a:schemeClr val="tx1"/>
+            </a:solidFill>
+            <a:tailEnd type="triangle"/>
+          </a:ln>
+        </p:spPr>
+        <p:style>
+          <a:lnRef idx="1">
+            <a:schemeClr val="accent1"/>
+          </a:lnRef>
+          <a:fillRef idx="0">
+            <a:schemeClr val="accent1"/>
+          </a:fillRef>
+          <a:effectRef idx="0">
+            <a:schemeClr val="accent1"/>
+          </a:effectRef>
+          <a:fontRef idx="minor">
+            <a:schemeClr val="tx1"/>
+          </a:fontRef>
+        </p:style>
+      </p:cxnSp>
+      <p:cxnSp>
+        <p:nvCxnSpPr>
+          <p:cNvPr id="195" name="Elbow Connector 194"/>
+          <p:cNvCxnSpPr>
+            <a:stCxn id="30" idx="0"/>
+            <a:endCxn id="29" idx="2"/>
+          </p:cNvCxnSpPr>
+          <p:nvPr/>
+        </p:nvCxnSpPr>
+        <p:spPr>
+          <a:xfrm rot="16200000" flipV="1">
+            <a:off x="4872035" y="1737439"/>
+            <a:ext cx="243642" cy="2496"/>
+          </a:xfrm>
+          <a:prstGeom prst="bentConnector3">
+            <a:avLst>
+              <a:gd name="adj1" fmla="val 50000"/>
+            </a:avLst>
+          </a:prstGeom>
+          <a:ln w="19050">
+            <a:solidFill>
+              <a:schemeClr val="tx1"/>
+            </a:solidFill>
+            <a:tailEnd type="triangle"/>
+          </a:ln>
+        </p:spPr>
+        <p:style>
+          <a:lnRef idx="1">
+            <a:schemeClr val="accent1"/>
+          </a:lnRef>
+          <a:fillRef idx="0">
+            <a:schemeClr val="accent1"/>
+          </a:fillRef>
+          <a:effectRef idx="0">
+            <a:schemeClr val="accent1"/>
+          </a:effectRef>
+          <a:fontRef idx="minor">
+            <a:schemeClr val="tx1"/>
+          </a:fontRef>
+        </p:style>
+      </p:cxnSp>
+      <p:cxnSp>
+        <p:nvCxnSpPr>
+          <p:cNvPr id="263" name="Elbow Connector 262"/>
+          <p:cNvCxnSpPr>
+            <a:stCxn id="29" idx="0"/>
+            <a:endCxn id="38" idx="0"/>
+          </p:cNvCxnSpPr>
+          <p:nvPr/>
+        </p:nvCxnSpPr>
+        <p:spPr>
+          <a:xfrm rot="5400000" flipH="1" flipV="1">
+            <a:off x="6160179" y="-282225"/>
+            <a:ext cx="12700" cy="2335142"/>
+          </a:xfrm>
+          <a:prstGeom prst="bentConnector3">
+            <a:avLst>
+              <a:gd name="adj1" fmla="val 1800000"/>
+            </a:avLst>
+          </a:prstGeom>
+          <a:ln w="19050">
+            <a:solidFill>
+              <a:schemeClr val="tx1"/>
+            </a:solidFill>
+            <a:tailEnd type="triangle"/>
+          </a:ln>
+        </p:spPr>
+        <p:style>
+          <a:lnRef idx="1">
+            <a:schemeClr val="accent1"/>
+          </a:lnRef>
+          <a:fillRef idx="0">
+            <a:schemeClr val="accent1"/>
+          </a:fillRef>
+          <a:effectRef idx="0">
+            <a:schemeClr val="accent1"/>
+          </a:effectRef>
+          <a:fontRef idx="minor">
+            <a:schemeClr val="tx1"/>
+          </a:fontRef>
+        </p:style>
+      </p:cxnSp>
+      <p:cxnSp>
+        <p:nvCxnSpPr>
+          <p:cNvPr id="266" name="Elbow Connector 265"/>
+          <p:cNvCxnSpPr>
+            <a:stCxn id="37" idx="0"/>
+            <a:endCxn id="38" idx="2"/>
+          </p:cNvCxnSpPr>
+          <p:nvPr/>
+        </p:nvCxnSpPr>
+        <p:spPr>
+          <a:xfrm rot="5400000" flipH="1" flipV="1">
+            <a:off x="7205929" y="1738687"/>
+            <a:ext cx="243642" cy="12700"/>
+          </a:xfrm>
+          <a:prstGeom prst="bentConnector3">
+            <a:avLst>
+              <a:gd name="adj1" fmla="val 50000"/>
+            </a:avLst>
+          </a:prstGeom>
+          <a:ln w="19050">
+            <a:solidFill>
+              <a:schemeClr val="tx1"/>
+            </a:solidFill>
+            <a:tailEnd type="triangle"/>
+          </a:ln>
+        </p:spPr>
+        <p:style>
+          <a:lnRef idx="1">
+            <a:schemeClr val="accent1"/>
+          </a:lnRef>
+          <a:fillRef idx="0">
+            <a:schemeClr val="accent1"/>
+          </a:fillRef>
+          <a:effectRef idx="0">
+            <a:schemeClr val="accent1"/>
+          </a:effectRef>
+          <a:fontRef idx="minor">
+            <a:schemeClr val="tx1"/>
+          </a:fontRef>
+        </p:style>
+      </p:cxnSp>
+      <p:cxnSp>
+        <p:nvCxnSpPr>
+          <p:cNvPr id="274" name="Elbow Connector 273"/>
+          <p:cNvCxnSpPr>
+            <a:stCxn id="34" idx="2"/>
+            <a:endCxn id="37" idx="3"/>
+          </p:cNvCxnSpPr>
+          <p:nvPr/>
+        </p:nvCxnSpPr>
+        <p:spPr>
+          <a:xfrm rot="5400000">
+            <a:off x="8335428" y="1432148"/>
+            <a:ext cx="609402" cy="978838"/>
+          </a:xfrm>
+          <a:prstGeom prst="bentConnector2">
+            <a:avLst/>
+          </a:prstGeom>
+          <a:ln w="19050">
+            <a:solidFill>
+              <a:schemeClr val="tx1"/>
+            </a:solidFill>
+            <a:tailEnd type="triangle"/>
+          </a:ln>
+        </p:spPr>
+        <p:style>
+          <a:lnRef idx="1">
+            <a:schemeClr val="accent1"/>
+          </a:lnRef>
+          <a:fillRef idx="0">
+            <a:schemeClr val="accent1"/>
+          </a:fillRef>
+          <a:effectRef idx="0">
+            <a:schemeClr val="accent1"/>
+          </a:effectRef>
+          <a:fontRef idx="minor">
+            <a:schemeClr val="tx1"/>
+          </a:fontRef>
+        </p:style>
+      </p:cxnSp>
+      <p:cxnSp>
+        <p:nvCxnSpPr>
+          <p:cNvPr id="278" name="Elbow Connector 277"/>
+          <p:cNvCxnSpPr>
+            <a:stCxn id="34" idx="0"/>
+            <a:endCxn id="4" idx="1"/>
+          </p:cNvCxnSpPr>
+          <p:nvPr/>
+        </p:nvCxnSpPr>
+        <p:spPr>
+          <a:xfrm rot="16200000" flipH="1" flipV="1">
+            <a:off x="2645177" y="-1323334"/>
+            <a:ext cx="4275691" cy="8693050"/>
+          </a:xfrm>
+          <a:prstGeom prst="bentConnector4">
+            <a:avLst>
+              <a:gd name="adj1" fmla="val -15425"/>
+              <a:gd name="adj2" fmla="val 102630"/>
+            </a:avLst>
+          </a:prstGeom>
+          <a:ln w="19050">
+            <a:solidFill>
+              <a:schemeClr val="tx1"/>
+            </a:solidFill>
+            <a:tailEnd type="triangle"/>
+          </a:ln>
+        </p:spPr>
+        <p:style>
+          <a:lnRef idx="1">
+            <a:schemeClr val="accent1"/>
+          </a:lnRef>
+          <a:fillRef idx="0">
+            <a:schemeClr val="accent1"/>
+          </a:fillRef>
+          <a:effectRef idx="0">
+            <a:schemeClr val="accent1"/>
+          </a:effectRef>
+          <a:fontRef idx="minor">
+            <a:schemeClr val="tx1"/>
+          </a:fontRef>
+        </p:style>
+      </p:cxnSp>
+      <p:cxnSp>
+        <p:nvCxnSpPr>
+          <p:cNvPr id="318" name="Elbow Connector 317"/>
+          <p:cNvCxnSpPr>
+            <a:stCxn id="35" idx="1"/>
+          </p:cNvCxnSpPr>
+          <p:nvPr/>
+        </p:nvCxnSpPr>
+        <p:spPr>
+          <a:xfrm rot="10800000" flipV="1">
+            <a:off x="9952508" y="1221368"/>
+            <a:ext cx="205930" cy="23388"/>
+          </a:xfrm>
+          <a:prstGeom prst="bentConnector3">
+            <a:avLst>
+              <a:gd name="adj1" fmla="val 50000"/>
+            </a:avLst>
+          </a:prstGeom>
+          <a:ln w="19050">
+            <a:solidFill>
+              <a:schemeClr val="tx1"/>
+            </a:solidFill>
+            <a:tailEnd type="triangle"/>
+          </a:ln>
+        </p:spPr>
+        <p:style>
+          <a:lnRef idx="1">
+            <a:schemeClr val="accent1"/>
+          </a:lnRef>
+          <a:fillRef idx="0">
+            <a:schemeClr val="accent1"/>
+          </a:fillRef>
+          <a:effectRef idx="0">
+            <a:schemeClr val="accent1"/>
+          </a:effectRef>
+          <a:fontRef idx="minor">
+            <a:schemeClr val="tx1"/>
+          </a:fontRef>
+        </p:style>
+      </p:cxnSp>
+      <p:cxnSp>
+        <p:nvCxnSpPr>
+          <p:cNvPr id="334" name="Elbow Connector 333"/>
+          <p:cNvCxnSpPr>
+            <a:stCxn id="35" idx="3"/>
+          </p:cNvCxnSpPr>
+          <p:nvPr/>
+        </p:nvCxnSpPr>
+        <p:spPr>
+          <a:xfrm flipH="1">
+            <a:off x="4613227" y="1221368"/>
+            <a:ext cx="7191131" cy="5368621"/>
+          </a:xfrm>
+          <a:prstGeom prst="bentConnector3">
+            <a:avLst>
+              <a:gd name="adj1" fmla="val -3179"/>
+            </a:avLst>
+          </a:prstGeom>
+          <a:ln w="19050">
+            <a:solidFill>
+              <a:schemeClr val="tx1"/>
+            </a:solidFill>
+            <a:tailEnd type="triangle"/>
+          </a:ln>
+        </p:spPr>
+        <p:style>
+          <a:lnRef idx="1">
+            <a:schemeClr val="accent1"/>
+          </a:lnRef>
+          <a:fillRef idx="0">
+            <a:schemeClr val="accent1"/>
+          </a:fillRef>
+          <a:effectRef idx="0">
+            <a:schemeClr val="accent1"/>
+          </a:effectRef>
+          <a:fontRef idx="minor">
+            <a:schemeClr val="tx1"/>
+          </a:fontRef>
+        </p:style>
+      </p:cxnSp>
+      <p:cxnSp>
+        <p:nvCxnSpPr>
+          <p:cNvPr id="338" name="Elbow Connector 337"/>
+          <p:cNvCxnSpPr/>
+          <p:nvPr/>
+        </p:nvCxnSpPr>
+        <p:spPr>
+          <a:xfrm rot="5400000">
+            <a:off x="3675616" y="4324497"/>
+            <a:ext cx="988066" cy="1"/>
+          </a:xfrm>
+          <a:prstGeom prst="bentConnector3">
+            <a:avLst>
+              <a:gd name="adj1" fmla="val 50000"/>
+            </a:avLst>
+          </a:prstGeom>
+          <a:ln w="19050">
+            <a:solidFill>
+              <a:schemeClr val="tx1"/>
+            </a:solidFill>
+            <a:tailEnd type="triangle"/>
+          </a:ln>
+        </p:spPr>
+        <p:style>
+          <a:lnRef idx="1">
+            <a:schemeClr val="accent1"/>
+          </a:lnRef>
+          <a:fillRef idx="0">
+            <a:schemeClr val="accent1"/>
+          </a:fillRef>
+          <a:effectRef idx="0">
+            <a:schemeClr val="accent1"/>
+          </a:effectRef>
+          <a:fontRef idx="minor">
+            <a:schemeClr val="tx1"/>
+          </a:fontRef>
+        </p:style>
+      </p:cxnSp>
+      <p:cxnSp>
+        <p:nvCxnSpPr>
+          <p:cNvPr id="341" name="Elbow Connector 340"/>
+          <p:cNvCxnSpPr/>
+          <p:nvPr/>
+        </p:nvCxnSpPr>
+        <p:spPr>
+          <a:xfrm rot="5400000">
+            <a:off x="5820694" y="4330846"/>
+            <a:ext cx="988066" cy="1"/>
+          </a:xfrm>
+          <a:prstGeom prst="bentConnector3">
+            <a:avLst>
+              <a:gd name="adj1" fmla="val 50000"/>
+            </a:avLst>
+          </a:prstGeom>
+          <a:ln w="19050">
+            <a:solidFill>
+              <a:schemeClr val="tx1"/>
+            </a:solidFill>
+            <a:tailEnd type="triangle"/>
+          </a:ln>
+        </p:spPr>
+        <p:style>
+          <a:lnRef idx="1">
+            <a:schemeClr val="accent1"/>
+          </a:lnRef>
+          <a:fillRef idx="0">
+            <a:schemeClr val="accent1"/>
+          </a:fillRef>
+          <a:effectRef idx="0">
+            <a:schemeClr val="accent1"/>
+          </a:effectRef>
+          <a:fontRef idx="minor">
+            <a:schemeClr val="tx1"/>
+          </a:fontRef>
+        </p:style>
+      </p:cxnSp>
+      <p:cxnSp>
+        <p:nvCxnSpPr>
+          <p:cNvPr id="342" name="Elbow Connector 341"/>
+          <p:cNvCxnSpPr/>
+          <p:nvPr/>
+        </p:nvCxnSpPr>
+        <p:spPr>
+          <a:xfrm rot="5400000">
+            <a:off x="8252207" y="4324497"/>
+            <a:ext cx="988066" cy="1"/>
+          </a:xfrm>
+          <a:prstGeom prst="bentConnector3">
+            <a:avLst>
+              <a:gd name="adj1" fmla="val 50000"/>
+            </a:avLst>
+          </a:prstGeom>
+          <a:ln w="19050">
+            <a:solidFill>
+              <a:schemeClr val="tx1"/>
+            </a:solidFill>
+            <a:tailEnd type="triangle"/>
+          </a:ln>
+        </p:spPr>
+        <p:style>
+          <a:lnRef idx="1">
+            <a:schemeClr val="accent1"/>
+          </a:lnRef>
+          <a:fillRef idx="0">
+            <a:schemeClr val="accent1"/>
+          </a:fillRef>
+          <a:effectRef idx="0">
+            <a:schemeClr val="accent1"/>
+          </a:effectRef>
+          <a:fontRef idx="minor">
+            <a:schemeClr val="tx1"/>
+          </a:fontRef>
+        </p:style>
+      </p:cxnSp>
+      <p:cxnSp>
+        <p:nvCxnSpPr>
+          <p:cNvPr id="343" name="Elbow Connector 342"/>
+          <p:cNvCxnSpPr/>
+          <p:nvPr/>
+        </p:nvCxnSpPr>
+        <p:spPr>
+          <a:xfrm rot="5400000">
+            <a:off x="10567823" y="4322061"/>
+            <a:ext cx="988066" cy="1"/>
+          </a:xfrm>
+          <a:prstGeom prst="bentConnector3">
+            <a:avLst>
+              <a:gd name="adj1" fmla="val 50000"/>
+            </a:avLst>
+          </a:prstGeom>
+          <a:ln w="19050">
+            <a:solidFill>
+              <a:schemeClr val="tx1"/>
+            </a:solidFill>
+            <a:tailEnd type="triangle"/>
+          </a:ln>
+        </p:spPr>
+        <p:style>
+          <a:lnRef idx="1">
+            <a:schemeClr val="accent1"/>
+          </a:lnRef>
+          <a:fillRef idx="0">
+            <a:schemeClr val="accent1"/>
+          </a:fillRef>
+          <a:effectRef idx="0">
+            <a:schemeClr val="accent1"/>
+          </a:effectRef>
+          <a:fontRef idx="minor">
+            <a:schemeClr val="tx1"/>
+          </a:fontRef>
+        </p:style>
+      </p:cxnSp>
+      <p:sp>
+        <p:nvSpPr>
+          <p:cNvPr id="344" name="TextBox 343"/>
+          <p:cNvSpPr txBox="1"/>
+          <p:nvPr/>
+        </p:nvSpPr>
+        <p:spPr>
+          <a:xfrm>
+            <a:off x="6295949" y="4251318"/>
+            <a:ext cx="389850" cy="276999"/>
+          </a:xfrm>
+          <a:prstGeom prst="rect">
+            <a:avLst/>
+          </a:prstGeom>
+          <a:noFill/>
+        </p:spPr>
+        <p:txBody>
+          <a:bodyPr wrap="none" rtlCol="0">
+            <a:spAutoFit/>
+          </a:bodyPr>
+          <a:lstStyle/>
+          <a:p>
+            <a:r>
+              <a:rPr lang="en-US" sz="1200" dirty="0" smtClean="0"/>
+              <a:t>is a</a:t>
+            </a:r>
+            <a:endParaRPr lang="en-US" sz="1200" dirty="0"/>
+          </a:p>
+        </p:txBody>
+      </p:sp>
+      <p:sp>
+        <p:nvSpPr>
+          <p:cNvPr id="345" name="TextBox 344"/>
+          <p:cNvSpPr txBox="1"/>
+          <p:nvPr/>
+        </p:nvSpPr>
+        <p:spPr>
+          <a:xfrm>
+            <a:off x="4169648" y="4198878"/>
+            <a:ext cx="389850" cy="276999"/>
+          </a:xfrm>
+          <a:prstGeom prst="rect">
+            <a:avLst/>
+          </a:prstGeom>
+          <a:noFill/>
+        </p:spPr>
+        <p:txBody>
+          <a:bodyPr wrap="none" rtlCol="0">
+            <a:spAutoFit/>
+          </a:bodyPr>
+          <a:lstStyle/>
+          <a:p>
+            <a:r>
+              <a:rPr lang="en-US" sz="1200" dirty="0" smtClean="0"/>
+              <a:t>is a</a:t>
+            </a:r>
+            <a:endParaRPr lang="en-US" sz="1200" dirty="0"/>
+          </a:p>
+        </p:txBody>
+      </p:sp>
+      <p:sp>
+        <p:nvSpPr>
+          <p:cNvPr id="346" name="TextBox 345"/>
+          <p:cNvSpPr txBox="1"/>
+          <p:nvPr/>
+        </p:nvSpPr>
+        <p:spPr>
+          <a:xfrm>
+            <a:off x="8724295" y="4251317"/>
+            <a:ext cx="389850" cy="276999"/>
+          </a:xfrm>
+          <a:prstGeom prst="rect">
+            <a:avLst/>
+          </a:prstGeom>
+          <a:noFill/>
+        </p:spPr>
+        <p:txBody>
+          <a:bodyPr wrap="none" rtlCol="0">
+            <a:spAutoFit/>
+          </a:bodyPr>
+          <a:lstStyle/>
+          <a:p>
+            <a:r>
+              <a:rPr lang="en-US" sz="1200" dirty="0" smtClean="0"/>
+              <a:t>is a</a:t>
+            </a:r>
+            <a:endParaRPr lang="en-US" sz="1200" dirty="0"/>
+          </a:p>
+        </p:txBody>
+      </p:sp>
+      <p:sp>
+        <p:nvSpPr>
+          <p:cNvPr id="347" name="TextBox 346"/>
+          <p:cNvSpPr txBox="1"/>
+          <p:nvPr/>
+        </p:nvSpPr>
+        <p:spPr>
+          <a:xfrm>
+            <a:off x="11058898" y="4251316"/>
+            <a:ext cx="389850" cy="276999"/>
+          </a:xfrm>
+          <a:prstGeom prst="rect">
+            <a:avLst/>
+          </a:prstGeom>
+          <a:noFill/>
+        </p:spPr>
+        <p:txBody>
+          <a:bodyPr wrap="none" rtlCol="0">
+            <a:spAutoFit/>
+          </a:bodyPr>
+          <a:lstStyle/>
+          <a:p>
+            <a:r>
+              <a:rPr lang="en-US" sz="1200" dirty="0" smtClean="0"/>
+              <a:t>is a</a:t>
+            </a:r>
+            <a:endParaRPr lang="en-US" sz="1200" dirty="0"/>
+          </a:p>
+        </p:txBody>
+      </p:sp>
+      <p:sp>
+        <p:nvSpPr>
+          <p:cNvPr id="348" name="TextBox 347"/>
+          <p:cNvSpPr txBox="1"/>
+          <p:nvPr/>
+        </p:nvSpPr>
+        <p:spPr>
+          <a:xfrm>
+            <a:off x="5015002" y="3794450"/>
+            <a:ext cx="508473" cy="276999"/>
+          </a:xfrm>
+          <a:prstGeom prst="rect">
+            <a:avLst/>
+          </a:prstGeom>
+          <a:noFill/>
+        </p:spPr>
+        <p:txBody>
+          <a:bodyPr wrap="none" rtlCol="0">
+            <a:spAutoFit/>
+          </a:bodyPr>
+          <a:lstStyle/>
+          <a:p>
+            <a:r>
+              <a:rPr lang="en-US" sz="1200" smtClean="0"/>
+              <a:t>has a</a:t>
+            </a:r>
+            <a:endParaRPr lang="en-US" sz="1200" dirty="0"/>
+          </a:p>
+        </p:txBody>
+      </p:sp>
+      <p:sp>
+        <p:nvSpPr>
+          <p:cNvPr id="349" name="TextBox 348"/>
+          <p:cNvSpPr txBox="1"/>
+          <p:nvPr/>
+        </p:nvSpPr>
+        <p:spPr>
+          <a:xfrm>
+            <a:off x="4119802" y="2601620"/>
+            <a:ext cx="508473" cy="276999"/>
+          </a:xfrm>
+          <a:prstGeom prst="rect">
+            <a:avLst/>
+          </a:prstGeom>
+          <a:noFill/>
+        </p:spPr>
+        <p:txBody>
+          <a:bodyPr wrap="none" rtlCol="0">
+            <a:spAutoFit/>
+          </a:bodyPr>
+          <a:lstStyle/>
+          <a:p>
+            <a:r>
+              <a:rPr lang="en-US" sz="1200" smtClean="0"/>
+              <a:t>has a</a:t>
+            </a:r>
+            <a:endParaRPr lang="en-US" sz="1200" dirty="0"/>
+          </a:p>
+        </p:txBody>
+      </p:sp>
+      <p:sp>
+        <p:nvSpPr>
+          <p:cNvPr id="350" name="TextBox 349"/>
+          <p:cNvSpPr txBox="1"/>
+          <p:nvPr/>
+        </p:nvSpPr>
+        <p:spPr>
+          <a:xfrm>
+            <a:off x="5364918" y="2592957"/>
+            <a:ext cx="508473" cy="276999"/>
+          </a:xfrm>
+          <a:prstGeom prst="rect">
+            <a:avLst/>
+          </a:prstGeom>
+          <a:noFill/>
+        </p:spPr>
+        <p:txBody>
+          <a:bodyPr wrap="none" rtlCol="0">
+            <a:spAutoFit/>
+          </a:bodyPr>
+          <a:lstStyle/>
+          <a:p>
+            <a:r>
+              <a:rPr lang="en-US" sz="1200" smtClean="0"/>
+              <a:t>has a</a:t>
+            </a:r>
+            <a:endParaRPr lang="en-US" sz="1200" dirty="0"/>
+          </a:p>
+        </p:txBody>
+      </p:sp>
+      <p:sp>
+        <p:nvSpPr>
+          <p:cNvPr id="351" name="TextBox 350"/>
+          <p:cNvSpPr txBox="1"/>
+          <p:nvPr/>
+        </p:nvSpPr>
+        <p:spPr>
+          <a:xfrm>
+            <a:off x="2615157" y="1949269"/>
+            <a:ext cx="1087927" cy="276999"/>
+          </a:xfrm>
+          <a:prstGeom prst="rect">
+            <a:avLst/>
+          </a:prstGeom>
+          <a:noFill/>
+        </p:spPr>
+        <p:txBody>
+          <a:bodyPr wrap="none" rtlCol="0">
+            <a:spAutoFit/>
+          </a:bodyPr>
+          <a:lstStyle/>
+          <a:p>
+            <a:r>
+              <a:rPr lang="en-US" sz="1200" smtClean="0"/>
+              <a:t>contains many</a:t>
+            </a:r>
+            <a:endParaRPr lang="en-US" sz="1200" dirty="0"/>
+          </a:p>
+        </p:txBody>
+      </p:sp>
+      <p:sp>
+        <p:nvSpPr>
+          <p:cNvPr id="352" name="TextBox 351"/>
+          <p:cNvSpPr txBox="1"/>
+          <p:nvPr/>
+        </p:nvSpPr>
+        <p:spPr>
+          <a:xfrm>
+            <a:off x="5243007" y="1607515"/>
+            <a:ext cx="1087927" cy="276999"/>
+          </a:xfrm>
+          <a:prstGeom prst="rect">
+            <a:avLst/>
+          </a:prstGeom>
+          <a:noFill/>
+        </p:spPr>
+        <p:txBody>
+          <a:bodyPr wrap="none" rtlCol="0">
+            <a:spAutoFit/>
+          </a:bodyPr>
+          <a:lstStyle/>
+          <a:p>
+            <a:r>
+              <a:rPr lang="en-US" sz="1200" smtClean="0"/>
+              <a:t>contains many</a:t>
+            </a:r>
+            <a:endParaRPr lang="en-US" sz="1200" dirty="0"/>
+          </a:p>
+        </p:txBody>
+      </p:sp>
+      <p:sp>
+        <p:nvSpPr>
+          <p:cNvPr id="353" name="TextBox 352"/>
+          <p:cNvSpPr txBox="1"/>
+          <p:nvPr/>
+        </p:nvSpPr>
+        <p:spPr>
+          <a:xfrm>
+            <a:off x="7153704" y="3161042"/>
+            <a:ext cx="778226" cy="276999"/>
+          </a:xfrm>
+          <a:prstGeom prst="rect">
+            <a:avLst/>
+          </a:prstGeom>
+          <a:noFill/>
+        </p:spPr>
+        <p:txBody>
+          <a:bodyPr wrap="none" rtlCol="0">
+            <a:spAutoFit/>
+          </a:bodyPr>
+          <a:lstStyle/>
+          <a:p>
+            <a:r>
+              <a:rPr lang="en-US" sz="1200" dirty="0" smtClean="0"/>
+              <a:t>has many</a:t>
+            </a:r>
+            <a:endParaRPr lang="en-US" sz="1200" dirty="0"/>
+          </a:p>
+        </p:txBody>
+      </p:sp>
+      <p:sp>
+        <p:nvSpPr>
+          <p:cNvPr id="354" name="TextBox 353"/>
+          <p:cNvSpPr txBox="1"/>
+          <p:nvPr/>
+        </p:nvSpPr>
+        <p:spPr>
+          <a:xfrm>
+            <a:off x="9553605" y="3023191"/>
+            <a:ext cx="426912" cy="461665"/>
+          </a:xfrm>
+          <a:prstGeom prst="rect">
+            <a:avLst/>
+          </a:prstGeom>
+          <a:noFill/>
+        </p:spPr>
+        <p:txBody>
+          <a:bodyPr wrap="none" rtlCol="0">
+            <a:spAutoFit/>
+          </a:bodyPr>
+          <a:lstStyle/>
+          <a:p>
+            <a:r>
+              <a:rPr lang="en-US" sz="1200" smtClean="0"/>
+              <a:t>has</a:t>
+            </a:r>
+          </a:p>
+          <a:p>
+            <a:r>
+              <a:rPr lang="en-US" sz="1200" dirty="0" smtClean="0"/>
+              <a:t>two</a:t>
+            </a:r>
+            <a:endParaRPr lang="en-US" sz="1200" dirty="0"/>
+          </a:p>
+        </p:txBody>
+      </p:sp>
+      <p:sp>
+        <p:nvSpPr>
+          <p:cNvPr id="355" name="TextBox 354"/>
+          <p:cNvSpPr txBox="1"/>
+          <p:nvPr/>
+        </p:nvSpPr>
+        <p:spPr>
+          <a:xfrm>
+            <a:off x="8805254" y="2648607"/>
+            <a:ext cx="184731" cy="369332"/>
+          </a:xfrm>
+          <a:prstGeom prst="rect">
+            <a:avLst/>
+          </a:prstGeom>
+          <a:noFill/>
+        </p:spPr>
+        <p:txBody>
+          <a:bodyPr wrap="none" rtlCol="0">
+            <a:spAutoFit/>
+          </a:bodyPr>
+          <a:lstStyle/>
+          <a:p>
+            <a:endParaRPr lang="en-US" dirty="0"/>
+          </a:p>
+        </p:txBody>
+      </p:sp>
+      <p:sp>
+        <p:nvSpPr>
+          <p:cNvPr id="356" name="TextBox 355"/>
+          <p:cNvSpPr txBox="1"/>
+          <p:nvPr/>
+        </p:nvSpPr>
+        <p:spPr>
+          <a:xfrm>
+            <a:off x="8335127" y="2213060"/>
+            <a:ext cx="508473" cy="276999"/>
+          </a:xfrm>
+          <a:prstGeom prst="rect">
+            <a:avLst/>
+          </a:prstGeom>
+          <a:noFill/>
+        </p:spPr>
+        <p:txBody>
+          <a:bodyPr wrap="none" rtlCol="0">
+            <a:spAutoFit/>
+          </a:bodyPr>
+          <a:lstStyle/>
+          <a:p>
+            <a:r>
+              <a:rPr lang="en-US" sz="1200" smtClean="0"/>
+              <a:t>has a</a:t>
+            </a:r>
+            <a:endParaRPr lang="en-US" sz="1200" dirty="0"/>
+          </a:p>
+        </p:txBody>
+      </p:sp>
+      <p:sp>
+        <p:nvSpPr>
+          <p:cNvPr id="357" name="TextBox 356"/>
+          <p:cNvSpPr txBox="1"/>
+          <p:nvPr/>
+        </p:nvSpPr>
+        <p:spPr>
+          <a:xfrm>
+            <a:off x="7331756" y="1566620"/>
+            <a:ext cx="744499" cy="276999"/>
+          </a:xfrm>
+          <a:prstGeom prst="rect">
+            <a:avLst/>
+          </a:prstGeom>
+          <a:noFill/>
+        </p:spPr>
+        <p:txBody>
+          <a:bodyPr wrap="none" rtlCol="0">
+            <a:spAutoFit/>
+          </a:bodyPr>
+          <a:lstStyle/>
+          <a:p>
+            <a:r>
+              <a:rPr lang="en-US" sz="1200" dirty="0" smtClean="0"/>
+              <a:t>manages</a:t>
+            </a:r>
+            <a:endParaRPr lang="en-US" sz="1200" dirty="0"/>
+          </a:p>
+        </p:txBody>
+      </p:sp>
+      <p:sp>
+        <p:nvSpPr>
+          <p:cNvPr id="358" name="TextBox 357"/>
+          <p:cNvSpPr txBox="1"/>
+          <p:nvPr/>
+        </p:nvSpPr>
+        <p:spPr>
+          <a:xfrm>
+            <a:off x="5912292" y="381085"/>
+            <a:ext cx="508473" cy="276999"/>
+          </a:xfrm>
+          <a:prstGeom prst="rect">
+            <a:avLst/>
+          </a:prstGeom>
+          <a:noFill/>
+        </p:spPr>
+        <p:txBody>
+          <a:bodyPr wrap="none" rtlCol="0">
+            <a:spAutoFit/>
+          </a:bodyPr>
+          <a:lstStyle/>
+          <a:p>
+            <a:r>
+              <a:rPr lang="en-US" sz="1200" smtClean="0"/>
+              <a:t>has a</a:t>
+            </a:r>
+            <a:endParaRPr lang="en-US" sz="1200" dirty="0"/>
+          </a:p>
+        </p:txBody>
+      </p:sp>
+      <p:sp>
+        <p:nvSpPr>
+          <p:cNvPr id="359" name="TextBox 358"/>
+          <p:cNvSpPr txBox="1"/>
+          <p:nvPr/>
+        </p:nvSpPr>
+        <p:spPr>
+          <a:xfrm>
+            <a:off x="3703084" y="189075"/>
+            <a:ext cx="508473" cy="276999"/>
+          </a:xfrm>
+          <a:prstGeom prst="rect">
+            <a:avLst/>
+          </a:prstGeom>
+          <a:noFill/>
+        </p:spPr>
+        <p:txBody>
+          <a:bodyPr wrap="none" rtlCol="0">
+            <a:spAutoFit/>
+          </a:bodyPr>
+          <a:lstStyle/>
+          <a:p>
+            <a:r>
+              <a:rPr lang="en-US" sz="1200" smtClean="0"/>
+              <a:t>has a</a:t>
+            </a:r>
+            <a:endParaRPr lang="en-US" sz="1200" dirty="0"/>
+          </a:p>
+        </p:txBody>
+      </p:sp>
+      <p:sp>
+        <p:nvSpPr>
+          <p:cNvPr id="360" name="TextBox 359"/>
+          <p:cNvSpPr txBox="1"/>
+          <p:nvPr/>
+        </p:nvSpPr>
+        <p:spPr>
+          <a:xfrm>
+            <a:off x="9895135" y="6312991"/>
+            <a:ext cx="1571456" cy="276999"/>
+          </a:xfrm>
+          <a:prstGeom prst="rect">
+            <a:avLst/>
+          </a:prstGeom>
+          <a:noFill/>
+        </p:spPr>
+        <p:txBody>
+          <a:bodyPr wrap="none" rtlCol="0">
+            <a:spAutoFit/>
+          </a:bodyPr>
+          <a:lstStyle/>
+          <a:p>
+            <a:r>
+              <a:rPr lang="en-US" sz="1200" dirty="0" smtClean="0"/>
+              <a:t>emits via mouse clicks</a:t>
+            </a:r>
+            <a:endParaRPr lang="en-US" sz="1200" dirty="0"/>
+          </a:p>
+        </p:txBody>
+      </p:sp>
+      <p:cxnSp>
+        <p:nvCxnSpPr>
+          <p:cNvPr id="361" name="Elbow Connector 360"/>
+          <p:cNvCxnSpPr/>
+          <p:nvPr/>
+        </p:nvCxnSpPr>
+        <p:spPr>
+          <a:xfrm rot="16200000" flipV="1">
+            <a:off x="10982595" y="1708948"/>
+            <a:ext cx="230942" cy="1"/>
+          </a:xfrm>
+          <a:prstGeom prst="bentConnector3">
+            <a:avLst>
+              <a:gd name="adj1" fmla="val 50000"/>
+            </a:avLst>
+          </a:prstGeom>
+          <a:ln w="19050">
+            <a:solidFill>
+              <a:schemeClr val="tx1"/>
+            </a:solidFill>
+            <a:tailEnd type="triangle"/>
+          </a:ln>
+        </p:spPr>
+        <p:style>
+          <a:lnRef idx="1">
+            <a:schemeClr val="accent1"/>
+          </a:lnRef>
+          <a:fillRef idx="0">
+            <a:schemeClr val="accent1"/>
+          </a:fillRef>
+          <a:effectRef idx="0">
+            <a:schemeClr val="accent1"/>
+          </a:effectRef>
+          <a:fontRef idx="minor">
+            <a:schemeClr val="tx1"/>
+          </a:fontRef>
+        </p:style>
+      </p:cxnSp>
+      <p:cxnSp>
+        <p:nvCxnSpPr>
+          <p:cNvPr id="367" name="Elbow Connector 366"/>
+          <p:cNvCxnSpPr/>
+          <p:nvPr/>
+        </p:nvCxnSpPr>
+        <p:spPr>
+          <a:xfrm rot="5400000">
+            <a:off x="10877699" y="1707506"/>
+            <a:ext cx="210283" cy="2885"/>
+          </a:xfrm>
+          <a:prstGeom prst="bentConnector3">
+            <a:avLst>
+              <a:gd name="adj1" fmla="val 50000"/>
+            </a:avLst>
+          </a:prstGeom>
+          <a:ln w="19050">
+            <a:solidFill>
+              <a:schemeClr val="tx1"/>
+            </a:solidFill>
+            <a:tailEnd type="triangle"/>
+          </a:ln>
+        </p:spPr>
+        <p:style>
+          <a:lnRef idx="1">
+            <a:schemeClr val="accent1"/>
+          </a:lnRef>
+          <a:fillRef idx="0">
+            <a:schemeClr val="accent1"/>
+          </a:fillRef>
+          <a:effectRef idx="0">
+            <a:schemeClr val="accent1"/>
+          </a:effectRef>
+          <a:fontRef idx="minor">
+            <a:schemeClr val="tx1"/>
+          </a:fontRef>
+        </p:style>
+      </p:cxnSp>
+    </p:spTree>
+    <p:extLst>
+      <p:ext uri="{BB962C8B-B14F-4D97-AF65-F5344CB8AC3E}">
+        <p14:creationId xmlns:p14="http://schemas.microsoft.com/office/powerpoint/2010/main" val="589496353"/>
       </p:ext>
     </p:extLst>
   </p:cSld>
